--- a/DOC/Presentation.pptx
+++ b/DOC/Presentation.pptx
@@ -2,18 +2,26 @@
 <file path=ppt/presentation.xml><?xml version="1.0" encoding="utf-8"?>
 <p:presentation xmlns:a="http://schemas.openxmlformats.org/drawingml/2006/main" xmlns:r="http://schemas.openxmlformats.org/officeDocument/2006/relationships" xmlns:mc="http://schemas.openxmlformats.org/markup-compatibility/2006" xmlns:mv="urn:schemas-microsoft-com:mac:vml" xmlns:p="http://schemas.openxmlformats.org/presentationml/2006/main" xmlns:c="http://schemas.openxmlformats.org/drawingml/2006/chart" xmlns:dgm="http://schemas.openxmlformats.org/drawingml/2006/diagram" xmlns:o="urn:schemas-microsoft-com:office:office" xmlns:v="urn:schemas-microsoft-com:vml" xmlns:pvml="urn:schemas-microsoft-com:office:powerpoint" xmlns:com="http://schemas.openxmlformats.org/drawingml/2006/compatibility" xmlns:p14="http://schemas.microsoft.com/office/powerpoint/2010/main" xmlns:p15="http://schemas.microsoft.com/office/powerpoint/2012/main" xmlns:ahyp="http://schemas.microsoft.com/office/drawing/2018/hyperlinkcolor" autoCompressPictures="0" strictFirstAndLastChars="0" saveSubsetFonts="1">
   <p:sldMasterIdLst>
-    <p:sldMasterId id="2147483659" r:id="rId4"/>
+    <p:sldMasterId id="2147483659" r:id="rId5"/>
   </p:sldMasterIdLst>
   <p:notesMasterIdLst>
-    <p:notesMasterId r:id="rId5"/>
+    <p:notesMasterId r:id="rId6"/>
   </p:notesMasterIdLst>
   <p:sldIdLst>
-    <p:sldId id="256" r:id="rId6"/>
-    <p:sldId id="257" r:id="rId7"/>
-    <p:sldId id="258" r:id="rId8"/>
-    <p:sldId id="259" r:id="rId9"/>
-    <p:sldId id="260" r:id="rId10"/>
-    <p:sldId id="261" r:id="rId11"/>
+    <p:sldId id="256" r:id="rId7"/>
+    <p:sldId id="257" r:id="rId8"/>
+    <p:sldId id="258" r:id="rId9"/>
+    <p:sldId id="259" r:id="rId10"/>
+    <p:sldId id="260" r:id="rId11"/>
+    <p:sldId id="261" r:id="rId12"/>
+    <p:sldId id="262" r:id="rId13"/>
+    <p:sldId id="263" r:id="rId14"/>
+    <p:sldId id="264" r:id="rId15"/>
+    <p:sldId id="265" r:id="rId16"/>
+    <p:sldId id="266" r:id="rId17"/>
+    <p:sldId id="267" r:id="rId18"/>
+    <p:sldId id="268" r:id="rId19"/>
+    <p:sldId id="269" r:id="rId20"/>
   </p:sldIdLst>
   <p:sldSz cy="5143500" cx="9144000"/>
   <p:notesSz cx="6858000" cy="9144000"/>
@@ -790,6 +798,501 @@
 </p:notes>
 </file>
 
+<file path=ppt/notesSlides/notesSlide10.xml><?xml version="1.0" encoding="utf-8"?>
+<p:notes xmlns:a="http://schemas.openxmlformats.org/drawingml/2006/main" xmlns:r="http://schemas.openxmlformats.org/officeDocument/2006/relationships" xmlns:mc="http://schemas.openxmlformats.org/markup-compatibility/2006" xmlns:mv="urn:schemas-microsoft-com:mac:vml" xmlns:p="http://schemas.openxmlformats.org/presentationml/2006/main" xmlns:c="http://schemas.openxmlformats.org/drawingml/2006/chart" xmlns:dgm="http://schemas.openxmlformats.org/drawingml/2006/diagram" xmlns:o="urn:schemas-microsoft-com:office:office" xmlns:v="urn:schemas-microsoft-com:vml" xmlns:pvml="urn:schemas-microsoft-com:office:powerpoint" xmlns:com="http://schemas.openxmlformats.org/drawingml/2006/compatibility" xmlns:p14="http://schemas.microsoft.com/office/powerpoint/2010/main" xmlns:p15="http://schemas.microsoft.com/office/powerpoint/2012/main" xmlns:ahyp="http://schemas.microsoft.com/office/drawing/2018/hyperlinkcolor" showMasterPhAnim="0" showMasterSp="0">
+  <p:cSld>
+    <p:spTree>
+      <p:nvGrpSpPr>
+        <p:cNvPr id="110" name="Shape 110"/>
+        <p:cNvGrpSpPr/>
+        <p:nvPr/>
+      </p:nvGrpSpPr>
+      <p:grpSpPr>
+        <a:xfrm>
+          <a:off x="0" y="0"/>
+          <a:ext cx="0" cy="0"/>
+          <a:chOff x="0" y="0"/>
+          <a:chExt cx="0" cy="0"/>
+        </a:xfrm>
+      </p:grpSpPr>
+      <p:sp>
+        <p:nvSpPr>
+          <p:cNvPr id="111" name="Google Shape;111;ga216dd2347_0_115:notes"/>
+          <p:cNvSpPr/>
+          <p:nvPr>
+            <p:ph idx="2" type="sldImg"/>
+          </p:nvPr>
+        </p:nvSpPr>
+        <p:spPr>
+          <a:xfrm>
+            <a:off x="381300" y="685800"/>
+            <a:ext cx="6096000" cy="3429000"/>
+          </a:xfrm>
+          <a:custGeom>
+            <a:rect b="b" l="l" r="r" t="t"/>
+            <a:pathLst>
+              <a:path extrusionOk="0" h="120000" w="120000">
+                <a:moveTo>
+                  <a:pt x="0" y="0"/>
+                </a:moveTo>
+                <a:lnTo>
+                  <a:pt x="120000" y="0"/>
+                </a:lnTo>
+                <a:lnTo>
+                  <a:pt x="120000" y="120000"/>
+                </a:lnTo>
+                <a:lnTo>
+                  <a:pt x="0" y="120000"/>
+                </a:lnTo>
+                <a:close/>
+              </a:path>
+            </a:pathLst>
+          </a:custGeom>
+        </p:spPr>
+      </p:sp>
+      <p:sp>
+        <p:nvSpPr>
+          <p:cNvPr id="112" name="Google Shape;112;ga216dd2347_0_115:notes"/>
+          <p:cNvSpPr txBox="1"/>
+          <p:nvPr>
+            <p:ph idx="1" type="body"/>
+          </p:nvPr>
+        </p:nvSpPr>
+        <p:spPr>
+          <a:xfrm>
+            <a:off x="685800" y="4343400"/>
+            <a:ext cx="5486400" cy="4114800"/>
+          </a:xfrm>
+          <a:prstGeom prst="rect">
+            <a:avLst/>
+          </a:prstGeom>
+        </p:spPr>
+        <p:txBody>
+          <a:bodyPr anchorCtr="0" anchor="t" bIns="91425" lIns="91425" spcFirstLastPara="1" rIns="91425" wrap="square" tIns="91425">
+            <a:noAutofit/>
+          </a:bodyPr>
+          <a:lstStyle/>
+          <a:p>
+            <a:pPr indent="0" lvl="0" marL="0" rtl="0" algn="l">
+              <a:spcBef>
+                <a:spcPts val="0"/>
+              </a:spcBef>
+              <a:spcAft>
+                <a:spcPts val="0"/>
+              </a:spcAft>
+              <a:buNone/>
+            </a:pPr>
+            <a:r>
+              <a:t/>
+            </a:r>
+            <a:endParaRPr/>
+          </a:p>
+        </p:txBody>
+      </p:sp>
+    </p:spTree>
+  </p:cSld>
+  <p:clrMapOvr>
+    <a:masterClrMapping/>
+  </p:clrMapOvr>
+</p:notes>
+</file>
+
+<file path=ppt/notesSlides/notesSlide11.xml><?xml version="1.0" encoding="utf-8"?>
+<p:notes xmlns:a="http://schemas.openxmlformats.org/drawingml/2006/main" xmlns:r="http://schemas.openxmlformats.org/officeDocument/2006/relationships" xmlns:mc="http://schemas.openxmlformats.org/markup-compatibility/2006" xmlns:mv="urn:schemas-microsoft-com:mac:vml" xmlns:p="http://schemas.openxmlformats.org/presentationml/2006/main" xmlns:c="http://schemas.openxmlformats.org/drawingml/2006/chart" xmlns:dgm="http://schemas.openxmlformats.org/drawingml/2006/diagram" xmlns:o="urn:schemas-microsoft-com:office:office" xmlns:v="urn:schemas-microsoft-com:vml" xmlns:pvml="urn:schemas-microsoft-com:office:powerpoint" xmlns:com="http://schemas.openxmlformats.org/drawingml/2006/compatibility" xmlns:p14="http://schemas.microsoft.com/office/powerpoint/2010/main" xmlns:p15="http://schemas.microsoft.com/office/powerpoint/2012/main" xmlns:ahyp="http://schemas.microsoft.com/office/drawing/2018/hyperlinkcolor" showMasterPhAnim="0" showMasterSp="0">
+  <p:cSld>
+    <p:spTree>
+      <p:nvGrpSpPr>
+        <p:cNvPr id="116" name="Shape 116"/>
+        <p:cNvGrpSpPr/>
+        <p:nvPr/>
+      </p:nvGrpSpPr>
+      <p:grpSpPr>
+        <a:xfrm>
+          <a:off x="0" y="0"/>
+          <a:ext cx="0" cy="0"/>
+          <a:chOff x="0" y="0"/>
+          <a:chExt cx="0" cy="0"/>
+        </a:xfrm>
+      </p:grpSpPr>
+      <p:sp>
+        <p:nvSpPr>
+          <p:cNvPr id="117" name="Google Shape;117;ga216dd2347_0_202:notes"/>
+          <p:cNvSpPr/>
+          <p:nvPr>
+            <p:ph idx="2" type="sldImg"/>
+          </p:nvPr>
+        </p:nvSpPr>
+        <p:spPr>
+          <a:xfrm>
+            <a:off x="381300" y="685800"/>
+            <a:ext cx="6096000" cy="3429000"/>
+          </a:xfrm>
+          <a:custGeom>
+            <a:rect b="b" l="l" r="r" t="t"/>
+            <a:pathLst>
+              <a:path extrusionOk="0" h="120000" w="120000">
+                <a:moveTo>
+                  <a:pt x="0" y="0"/>
+                </a:moveTo>
+                <a:lnTo>
+                  <a:pt x="120000" y="0"/>
+                </a:lnTo>
+                <a:lnTo>
+                  <a:pt x="120000" y="120000"/>
+                </a:lnTo>
+                <a:lnTo>
+                  <a:pt x="0" y="120000"/>
+                </a:lnTo>
+                <a:close/>
+              </a:path>
+            </a:pathLst>
+          </a:custGeom>
+        </p:spPr>
+      </p:sp>
+      <p:sp>
+        <p:nvSpPr>
+          <p:cNvPr id="118" name="Google Shape;118;ga216dd2347_0_202:notes"/>
+          <p:cNvSpPr txBox="1"/>
+          <p:nvPr>
+            <p:ph idx="1" type="body"/>
+          </p:nvPr>
+        </p:nvSpPr>
+        <p:spPr>
+          <a:xfrm>
+            <a:off x="685800" y="4343400"/>
+            <a:ext cx="5486400" cy="4114800"/>
+          </a:xfrm>
+          <a:prstGeom prst="rect">
+            <a:avLst/>
+          </a:prstGeom>
+        </p:spPr>
+        <p:txBody>
+          <a:bodyPr anchorCtr="0" anchor="t" bIns="91425" lIns="91425" spcFirstLastPara="1" rIns="91425" wrap="square" tIns="91425">
+            <a:noAutofit/>
+          </a:bodyPr>
+          <a:lstStyle/>
+          <a:p>
+            <a:pPr indent="0" lvl="0" marL="0" rtl="0" algn="l">
+              <a:spcBef>
+                <a:spcPts val="0"/>
+              </a:spcBef>
+              <a:spcAft>
+                <a:spcPts val="0"/>
+              </a:spcAft>
+              <a:buNone/>
+            </a:pPr>
+            <a:r>
+              <a:t/>
+            </a:r>
+            <a:endParaRPr/>
+          </a:p>
+        </p:txBody>
+      </p:sp>
+    </p:spTree>
+  </p:cSld>
+  <p:clrMapOvr>
+    <a:masterClrMapping/>
+  </p:clrMapOvr>
+</p:notes>
+</file>
+
+<file path=ppt/notesSlides/notesSlide12.xml><?xml version="1.0" encoding="utf-8"?>
+<p:notes xmlns:a="http://schemas.openxmlformats.org/drawingml/2006/main" xmlns:r="http://schemas.openxmlformats.org/officeDocument/2006/relationships" xmlns:mc="http://schemas.openxmlformats.org/markup-compatibility/2006" xmlns:mv="urn:schemas-microsoft-com:mac:vml" xmlns:p="http://schemas.openxmlformats.org/presentationml/2006/main" xmlns:c="http://schemas.openxmlformats.org/drawingml/2006/chart" xmlns:dgm="http://schemas.openxmlformats.org/drawingml/2006/diagram" xmlns:o="urn:schemas-microsoft-com:office:office" xmlns:v="urn:schemas-microsoft-com:vml" xmlns:pvml="urn:schemas-microsoft-com:office:powerpoint" xmlns:com="http://schemas.openxmlformats.org/drawingml/2006/compatibility" xmlns:p14="http://schemas.microsoft.com/office/powerpoint/2010/main" xmlns:p15="http://schemas.microsoft.com/office/powerpoint/2012/main" xmlns:ahyp="http://schemas.microsoft.com/office/drawing/2018/hyperlinkcolor" showMasterPhAnim="0" showMasterSp="0">
+  <p:cSld>
+    <p:spTree>
+      <p:nvGrpSpPr>
+        <p:cNvPr id="123" name="Shape 123"/>
+        <p:cNvGrpSpPr/>
+        <p:nvPr/>
+      </p:nvGrpSpPr>
+      <p:grpSpPr>
+        <a:xfrm>
+          <a:off x="0" y="0"/>
+          <a:ext cx="0" cy="0"/>
+          <a:chOff x="0" y="0"/>
+          <a:chExt cx="0" cy="0"/>
+        </a:xfrm>
+      </p:grpSpPr>
+      <p:sp>
+        <p:nvSpPr>
+          <p:cNvPr id="124" name="Google Shape;124;ga216dd2347_0_208:notes"/>
+          <p:cNvSpPr/>
+          <p:nvPr>
+            <p:ph idx="2" type="sldImg"/>
+          </p:nvPr>
+        </p:nvSpPr>
+        <p:spPr>
+          <a:xfrm>
+            <a:off x="381300" y="685800"/>
+            <a:ext cx="6096000" cy="3429000"/>
+          </a:xfrm>
+          <a:custGeom>
+            <a:rect b="b" l="l" r="r" t="t"/>
+            <a:pathLst>
+              <a:path extrusionOk="0" h="120000" w="120000">
+                <a:moveTo>
+                  <a:pt x="0" y="0"/>
+                </a:moveTo>
+                <a:lnTo>
+                  <a:pt x="120000" y="0"/>
+                </a:lnTo>
+                <a:lnTo>
+                  <a:pt x="120000" y="120000"/>
+                </a:lnTo>
+                <a:lnTo>
+                  <a:pt x="0" y="120000"/>
+                </a:lnTo>
+                <a:close/>
+              </a:path>
+            </a:pathLst>
+          </a:custGeom>
+        </p:spPr>
+      </p:sp>
+      <p:sp>
+        <p:nvSpPr>
+          <p:cNvPr id="125" name="Google Shape;125;ga216dd2347_0_208:notes"/>
+          <p:cNvSpPr txBox="1"/>
+          <p:nvPr>
+            <p:ph idx="1" type="body"/>
+          </p:nvPr>
+        </p:nvSpPr>
+        <p:spPr>
+          <a:xfrm>
+            <a:off x="685800" y="4343400"/>
+            <a:ext cx="5486400" cy="4114800"/>
+          </a:xfrm>
+          <a:prstGeom prst="rect">
+            <a:avLst/>
+          </a:prstGeom>
+        </p:spPr>
+        <p:txBody>
+          <a:bodyPr anchorCtr="0" anchor="t" bIns="91425" lIns="91425" spcFirstLastPara="1" rIns="91425" wrap="square" tIns="91425">
+            <a:noAutofit/>
+          </a:bodyPr>
+          <a:lstStyle/>
+          <a:p>
+            <a:pPr indent="0" lvl="0" marL="0" rtl="0" algn="l">
+              <a:spcBef>
+                <a:spcPts val="0"/>
+              </a:spcBef>
+              <a:spcAft>
+                <a:spcPts val="0"/>
+              </a:spcAft>
+              <a:buNone/>
+            </a:pPr>
+            <a:r>
+              <a:t/>
+            </a:r>
+            <a:endParaRPr/>
+          </a:p>
+        </p:txBody>
+      </p:sp>
+    </p:spTree>
+  </p:cSld>
+  <p:clrMapOvr>
+    <a:masterClrMapping/>
+  </p:clrMapOvr>
+</p:notes>
+</file>
+
+<file path=ppt/notesSlides/notesSlide13.xml><?xml version="1.0" encoding="utf-8"?>
+<p:notes xmlns:a="http://schemas.openxmlformats.org/drawingml/2006/main" xmlns:r="http://schemas.openxmlformats.org/officeDocument/2006/relationships" xmlns:mc="http://schemas.openxmlformats.org/markup-compatibility/2006" xmlns:mv="urn:schemas-microsoft-com:mac:vml" xmlns:p="http://schemas.openxmlformats.org/presentationml/2006/main" xmlns:c="http://schemas.openxmlformats.org/drawingml/2006/chart" xmlns:dgm="http://schemas.openxmlformats.org/drawingml/2006/diagram" xmlns:o="urn:schemas-microsoft-com:office:office" xmlns:v="urn:schemas-microsoft-com:vml" xmlns:pvml="urn:schemas-microsoft-com:office:powerpoint" xmlns:com="http://schemas.openxmlformats.org/drawingml/2006/compatibility" xmlns:p14="http://schemas.microsoft.com/office/powerpoint/2010/main" xmlns:p15="http://schemas.microsoft.com/office/powerpoint/2012/main" xmlns:ahyp="http://schemas.microsoft.com/office/drawing/2018/hyperlinkcolor" showMasterPhAnim="0" showMasterSp="0">
+  <p:cSld>
+    <p:spTree>
+      <p:nvGrpSpPr>
+        <p:cNvPr id="129" name="Shape 129"/>
+        <p:cNvGrpSpPr/>
+        <p:nvPr/>
+      </p:nvGrpSpPr>
+      <p:grpSpPr>
+        <a:xfrm>
+          <a:off x="0" y="0"/>
+          <a:ext cx="0" cy="0"/>
+          <a:chOff x="0" y="0"/>
+          <a:chExt cx="0" cy="0"/>
+        </a:xfrm>
+      </p:grpSpPr>
+      <p:sp>
+        <p:nvSpPr>
+          <p:cNvPr id="130" name="Google Shape;130;ga216dd2347_0_125:notes"/>
+          <p:cNvSpPr/>
+          <p:nvPr>
+            <p:ph idx="2" type="sldImg"/>
+          </p:nvPr>
+        </p:nvSpPr>
+        <p:spPr>
+          <a:xfrm>
+            <a:off x="381300" y="685800"/>
+            <a:ext cx="6096000" cy="3429000"/>
+          </a:xfrm>
+          <a:custGeom>
+            <a:rect b="b" l="l" r="r" t="t"/>
+            <a:pathLst>
+              <a:path extrusionOk="0" h="120000" w="120000">
+                <a:moveTo>
+                  <a:pt x="0" y="0"/>
+                </a:moveTo>
+                <a:lnTo>
+                  <a:pt x="120000" y="0"/>
+                </a:lnTo>
+                <a:lnTo>
+                  <a:pt x="120000" y="120000"/>
+                </a:lnTo>
+                <a:lnTo>
+                  <a:pt x="0" y="120000"/>
+                </a:lnTo>
+                <a:close/>
+              </a:path>
+            </a:pathLst>
+          </a:custGeom>
+        </p:spPr>
+      </p:sp>
+      <p:sp>
+        <p:nvSpPr>
+          <p:cNvPr id="131" name="Google Shape;131;ga216dd2347_0_125:notes"/>
+          <p:cNvSpPr txBox="1"/>
+          <p:nvPr>
+            <p:ph idx="1" type="body"/>
+          </p:nvPr>
+        </p:nvSpPr>
+        <p:spPr>
+          <a:xfrm>
+            <a:off x="685800" y="4343400"/>
+            <a:ext cx="5486400" cy="4114800"/>
+          </a:xfrm>
+          <a:prstGeom prst="rect">
+            <a:avLst/>
+          </a:prstGeom>
+        </p:spPr>
+        <p:txBody>
+          <a:bodyPr anchorCtr="0" anchor="t" bIns="91425" lIns="91425" spcFirstLastPara="1" rIns="91425" wrap="square" tIns="91425">
+            <a:noAutofit/>
+          </a:bodyPr>
+          <a:lstStyle/>
+          <a:p>
+            <a:pPr indent="0" lvl="0" marL="0" rtl="0" algn="l">
+              <a:spcBef>
+                <a:spcPts val="0"/>
+              </a:spcBef>
+              <a:spcAft>
+                <a:spcPts val="0"/>
+              </a:spcAft>
+              <a:buNone/>
+            </a:pPr>
+            <a:r>
+              <a:t/>
+            </a:r>
+            <a:endParaRPr/>
+          </a:p>
+        </p:txBody>
+      </p:sp>
+    </p:spTree>
+  </p:cSld>
+  <p:clrMapOvr>
+    <a:masterClrMapping/>
+  </p:clrMapOvr>
+</p:notes>
+</file>
+
+<file path=ppt/notesSlides/notesSlide14.xml><?xml version="1.0" encoding="utf-8"?>
+<p:notes xmlns:a="http://schemas.openxmlformats.org/drawingml/2006/main" xmlns:r="http://schemas.openxmlformats.org/officeDocument/2006/relationships" xmlns:mc="http://schemas.openxmlformats.org/markup-compatibility/2006" xmlns:mv="urn:schemas-microsoft-com:mac:vml" xmlns:p="http://schemas.openxmlformats.org/presentationml/2006/main" xmlns:c="http://schemas.openxmlformats.org/drawingml/2006/chart" xmlns:dgm="http://schemas.openxmlformats.org/drawingml/2006/diagram" xmlns:o="urn:schemas-microsoft-com:office:office" xmlns:v="urn:schemas-microsoft-com:vml" xmlns:pvml="urn:schemas-microsoft-com:office:powerpoint" xmlns:com="http://schemas.openxmlformats.org/drawingml/2006/compatibility" xmlns:p14="http://schemas.microsoft.com/office/powerpoint/2010/main" xmlns:p15="http://schemas.microsoft.com/office/powerpoint/2012/main" xmlns:ahyp="http://schemas.microsoft.com/office/drawing/2018/hyperlinkcolor" showMasterPhAnim="0" showMasterSp="0">
+  <p:cSld>
+    <p:spTree>
+      <p:nvGrpSpPr>
+        <p:cNvPr id="135" name="Shape 135"/>
+        <p:cNvGrpSpPr/>
+        <p:nvPr/>
+      </p:nvGrpSpPr>
+      <p:grpSpPr>
+        <a:xfrm>
+          <a:off x="0" y="0"/>
+          <a:ext cx="0" cy="0"/>
+          <a:chOff x="0" y="0"/>
+          <a:chExt cx="0" cy="0"/>
+        </a:xfrm>
+      </p:grpSpPr>
+      <p:sp>
+        <p:nvSpPr>
+          <p:cNvPr id="136" name="Google Shape;136;ga216dd2347_0_214:notes"/>
+          <p:cNvSpPr/>
+          <p:nvPr>
+            <p:ph idx="2" type="sldImg"/>
+          </p:nvPr>
+        </p:nvSpPr>
+        <p:spPr>
+          <a:xfrm>
+            <a:off x="381300" y="685800"/>
+            <a:ext cx="6096000" cy="3429000"/>
+          </a:xfrm>
+          <a:custGeom>
+            <a:rect b="b" l="l" r="r" t="t"/>
+            <a:pathLst>
+              <a:path extrusionOk="0" h="120000" w="120000">
+                <a:moveTo>
+                  <a:pt x="0" y="0"/>
+                </a:moveTo>
+                <a:lnTo>
+                  <a:pt x="120000" y="0"/>
+                </a:lnTo>
+                <a:lnTo>
+                  <a:pt x="120000" y="120000"/>
+                </a:lnTo>
+                <a:lnTo>
+                  <a:pt x="0" y="120000"/>
+                </a:lnTo>
+                <a:close/>
+              </a:path>
+            </a:pathLst>
+          </a:custGeom>
+        </p:spPr>
+      </p:sp>
+      <p:sp>
+        <p:nvSpPr>
+          <p:cNvPr id="137" name="Google Shape;137;ga216dd2347_0_214:notes"/>
+          <p:cNvSpPr txBox="1"/>
+          <p:nvPr>
+            <p:ph idx="1" type="body"/>
+          </p:nvPr>
+        </p:nvSpPr>
+        <p:spPr>
+          <a:xfrm>
+            <a:off x="685800" y="4343400"/>
+            <a:ext cx="5486400" cy="4114800"/>
+          </a:xfrm>
+          <a:prstGeom prst="rect">
+            <a:avLst/>
+          </a:prstGeom>
+        </p:spPr>
+        <p:txBody>
+          <a:bodyPr anchorCtr="0" anchor="t" bIns="91425" lIns="91425" spcFirstLastPara="1" rIns="91425" wrap="square" tIns="91425">
+            <a:noAutofit/>
+          </a:bodyPr>
+          <a:lstStyle/>
+          <a:p>
+            <a:pPr indent="0" lvl="0" marL="0" rtl="0" algn="l">
+              <a:spcBef>
+                <a:spcPts val="0"/>
+              </a:spcBef>
+              <a:spcAft>
+                <a:spcPts val="0"/>
+              </a:spcAft>
+              <a:buNone/>
+            </a:pPr>
+            <a:r>
+              <a:t/>
+            </a:r>
+            <a:endParaRPr/>
+          </a:p>
+        </p:txBody>
+      </p:sp>
+    </p:spTree>
+  </p:cSld>
+  <p:clrMapOvr>
+    <a:masterClrMapping/>
+  </p:clrMapOvr>
+</p:notes>
+</file>
+
 <file path=ppt/notesSlides/notesSlide2.xml><?xml version="1.0" encoding="utf-8"?>
 <p:notes xmlns:a="http://schemas.openxmlformats.org/drawingml/2006/main" xmlns:r="http://schemas.openxmlformats.org/officeDocument/2006/relationships" xmlns:mc="http://schemas.openxmlformats.org/markup-compatibility/2006" xmlns:mv="urn:schemas-microsoft-com:mac:vml" xmlns:p="http://schemas.openxmlformats.org/presentationml/2006/main" xmlns:c="http://schemas.openxmlformats.org/drawingml/2006/chart" xmlns:dgm="http://schemas.openxmlformats.org/drawingml/2006/diagram" xmlns:o="urn:schemas-microsoft-com:office:office" xmlns:v="urn:schemas-microsoft-com:vml" xmlns:pvml="urn:schemas-microsoft-com:office:powerpoint" xmlns:com="http://schemas.openxmlformats.org/drawingml/2006/compatibility" xmlns:p14="http://schemas.microsoft.com/office/powerpoint/2010/main" xmlns:p15="http://schemas.microsoft.com/office/powerpoint/2012/main" xmlns:ahyp="http://schemas.microsoft.com/office/drawing/2018/hyperlinkcolor" showMasterPhAnim="0" showMasterSp="0">
   <p:cSld>
@@ -1106,7 +1609,7 @@
       </p:grpSpPr>
       <p:sp>
         <p:nvSpPr>
-          <p:cNvPr id="75" name="Google Shape;75;ga216dd2347_0_110:notes"/>
+          <p:cNvPr id="75" name="Google Shape;75;ga216dd2347_0_130:notes"/>
           <p:cNvSpPr/>
           <p:nvPr>
             <p:ph idx="2" type="sldImg"/>
@@ -1141,7 +1644,7 @@
       </p:sp>
       <p:sp>
         <p:nvSpPr>
-          <p:cNvPr id="76" name="Google Shape;76;ga216dd2347_0_110:notes"/>
+          <p:cNvPr id="76" name="Google Shape;76;ga216dd2347_0_130:notes"/>
           <p:cNvSpPr txBox="1"/>
           <p:nvPr>
             <p:ph idx="1" type="body"/>
@@ -1205,7 +1708,7 @@
       </p:grpSpPr>
       <p:sp>
         <p:nvSpPr>
-          <p:cNvPr id="81" name="Google Shape;81;ga216dd2347_0_115:notes"/>
+          <p:cNvPr id="81" name="Google Shape;81;ga216dd2347_0_110:notes"/>
           <p:cNvSpPr/>
           <p:nvPr>
             <p:ph idx="2" type="sldImg"/>
@@ -1240,7 +1743,304 @@
       </p:sp>
       <p:sp>
         <p:nvSpPr>
-          <p:cNvPr id="82" name="Google Shape;82;ga216dd2347_0_115:notes"/>
+          <p:cNvPr id="82" name="Google Shape;82;ga216dd2347_0_110:notes"/>
+          <p:cNvSpPr txBox="1"/>
+          <p:nvPr>
+            <p:ph idx="1" type="body"/>
+          </p:nvPr>
+        </p:nvSpPr>
+        <p:spPr>
+          <a:xfrm>
+            <a:off x="685800" y="4343400"/>
+            <a:ext cx="5486400" cy="4114800"/>
+          </a:xfrm>
+          <a:prstGeom prst="rect">
+            <a:avLst/>
+          </a:prstGeom>
+        </p:spPr>
+        <p:txBody>
+          <a:bodyPr anchorCtr="0" anchor="t" bIns="91425" lIns="91425" spcFirstLastPara="1" rIns="91425" wrap="square" tIns="91425">
+            <a:noAutofit/>
+          </a:bodyPr>
+          <a:lstStyle/>
+          <a:p>
+            <a:pPr indent="0" lvl="0" marL="0" rtl="0" algn="l">
+              <a:spcBef>
+                <a:spcPts val="0"/>
+              </a:spcBef>
+              <a:spcAft>
+                <a:spcPts val="0"/>
+              </a:spcAft>
+              <a:buNone/>
+            </a:pPr>
+            <a:r>
+              <a:t/>
+            </a:r>
+            <a:endParaRPr/>
+          </a:p>
+        </p:txBody>
+      </p:sp>
+    </p:spTree>
+  </p:cSld>
+  <p:clrMapOvr>
+    <a:masterClrMapping/>
+  </p:clrMapOvr>
+</p:notes>
+</file>
+
+<file path=ppt/notesSlides/notesSlide7.xml><?xml version="1.0" encoding="utf-8"?>
+<p:notes xmlns:a="http://schemas.openxmlformats.org/drawingml/2006/main" xmlns:r="http://schemas.openxmlformats.org/officeDocument/2006/relationships" xmlns:mc="http://schemas.openxmlformats.org/markup-compatibility/2006" xmlns:mv="urn:schemas-microsoft-com:mac:vml" xmlns:p="http://schemas.openxmlformats.org/presentationml/2006/main" xmlns:c="http://schemas.openxmlformats.org/drawingml/2006/chart" xmlns:dgm="http://schemas.openxmlformats.org/drawingml/2006/diagram" xmlns:o="urn:schemas-microsoft-com:office:office" xmlns:v="urn:schemas-microsoft-com:vml" xmlns:pvml="urn:schemas-microsoft-com:office:powerpoint" xmlns:com="http://schemas.openxmlformats.org/drawingml/2006/compatibility" xmlns:p14="http://schemas.microsoft.com/office/powerpoint/2010/main" xmlns:p15="http://schemas.microsoft.com/office/powerpoint/2012/main" xmlns:ahyp="http://schemas.microsoft.com/office/drawing/2018/hyperlinkcolor" showMasterPhAnim="0" showMasterSp="0">
+  <p:cSld>
+    <p:spTree>
+      <p:nvGrpSpPr>
+        <p:cNvPr id="86" name="Shape 86"/>
+        <p:cNvGrpSpPr/>
+        <p:nvPr/>
+      </p:nvGrpSpPr>
+      <p:grpSpPr>
+        <a:xfrm>
+          <a:off x="0" y="0"/>
+          <a:ext cx="0" cy="0"/>
+          <a:chOff x="0" y="0"/>
+          <a:chExt cx="0" cy="0"/>
+        </a:xfrm>
+      </p:grpSpPr>
+      <p:sp>
+        <p:nvSpPr>
+          <p:cNvPr id="87" name="Google Shape;87;ga216dd2347_0_140:notes"/>
+          <p:cNvSpPr/>
+          <p:nvPr>
+            <p:ph idx="2" type="sldImg"/>
+          </p:nvPr>
+        </p:nvSpPr>
+        <p:spPr>
+          <a:xfrm>
+            <a:off x="381300" y="685800"/>
+            <a:ext cx="6096000" cy="3429000"/>
+          </a:xfrm>
+          <a:custGeom>
+            <a:rect b="b" l="l" r="r" t="t"/>
+            <a:pathLst>
+              <a:path extrusionOk="0" h="120000" w="120000">
+                <a:moveTo>
+                  <a:pt x="0" y="0"/>
+                </a:moveTo>
+                <a:lnTo>
+                  <a:pt x="120000" y="0"/>
+                </a:lnTo>
+                <a:lnTo>
+                  <a:pt x="120000" y="120000"/>
+                </a:lnTo>
+                <a:lnTo>
+                  <a:pt x="0" y="120000"/>
+                </a:lnTo>
+                <a:close/>
+              </a:path>
+            </a:pathLst>
+          </a:custGeom>
+        </p:spPr>
+      </p:sp>
+      <p:sp>
+        <p:nvSpPr>
+          <p:cNvPr id="88" name="Google Shape;88;ga216dd2347_0_140:notes"/>
+          <p:cNvSpPr txBox="1"/>
+          <p:nvPr>
+            <p:ph idx="1" type="body"/>
+          </p:nvPr>
+        </p:nvSpPr>
+        <p:spPr>
+          <a:xfrm>
+            <a:off x="685800" y="4343400"/>
+            <a:ext cx="5486400" cy="4114800"/>
+          </a:xfrm>
+          <a:prstGeom prst="rect">
+            <a:avLst/>
+          </a:prstGeom>
+        </p:spPr>
+        <p:txBody>
+          <a:bodyPr anchorCtr="0" anchor="t" bIns="91425" lIns="91425" spcFirstLastPara="1" rIns="91425" wrap="square" tIns="91425">
+            <a:noAutofit/>
+          </a:bodyPr>
+          <a:lstStyle/>
+          <a:p>
+            <a:pPr indent="0" lvl="0" marL="0" rtl="0" algn="l">
+              <a:spcBef>
+                <a:spcPts val="0"/>
+              </a:spcBef>
+              <a:spcAft>
+                <a:spcPts val="0"/>
+              </a:spcAft>
+              <a:buNone/>
+            </a:pPr>
+            <a:r>
+              <a:t/>
+            </a:r>
+            <a:endParaRPr/>
+          </a:p>
+        </p:txBody>
+      </p:sp>
+    </p:spTree>
+  </p:cSld>
+  <p:clrMapOvr>
+    <a:masterClrMapping/>
+  </p:clrMapOvr>
+</p:notes>
+</file>
+
+<file path=ppt/notesSlides/notesSlide8.xml><?xml version="1.0" encoding="utf-8"?>
+<p:notes xmlns:a="http://schemas.openxmlformats.org/drawingml/2006/main" xmlns:r="http://schemas.openxmlformats.org/officeDocument/2006/relationships" xmlns:mc="http://schemas.openxmlformats.org/markup-compatibility/2006" xmlns:mv="urn:schemas-microsoft-com:mac:vml" xmlns:p="http://schemas.openxmlformats.org/presentationml/2006/main" xmlns:c="http://schemas.openxmlformats.org/drawingml/2006/chart" xmlns:dgm="http://schemas.openxmlformats.org/drawingml/2006/diagram" xmlns:o="urn:schemas-microsoft-com:office:office" xmlns:v="urn:schemas-microsoft-com:vml" xmlns:pvml="urn:schemas-microsoft-com:office:powerpoint" xmlns:com="http://schemas.openxmlformats.org/drawingml/2006/compatibility" xmlns:p14="http://schemas.microsoft.com/office/powerpoint/2010/main" xmlns:p15="http://schemas.microsoft.com/office/powerpoint/2012/main" xmlns:ahyp="http://schemas.microsoft.com/office/drawing/2018/hyperlinkcolor" showMasterPhAnim="0" showMasterSp="0">
+  <p:cSld>
+    <p:spTree>
+      <p:nvGrpSpPr>
+        <p:cNvPr id="95" name="Shape 95"/>
+        <p:cNvGrpSpPr/>
+        <p:nvPr/>
+      </p:nvGrpSpPr>
+      <p:grpSpPr>
+        <a:xfrm>
+          <a:off x="0" y="0"/>
+          <a:ext cx="0" cy="0"/>
+          <a:chOff x="0" y="0"/>
+          <a:chExt cx="0" cy="0"/>
+        </a:xfrm>
+      </p:grpSpPr>
+      <p:sp>
+        <p:nvSpPr>
+          <p:cNvPr id="96" name="Google Shape;96;ga216dd2347_0_193:notes"/>
+          <p:cNvSpPr/>
+          <p:nvPr>
+            <p:ph idx="2" type="sldImg"/>
+          </p:nvPr>
+        </p:nvSpPr>
+        <p:spPr>
+          <a:xfrm>
+            <a:off x="381300" y="685800"/>
+            <a:ext cx="6096000" cy="3429000"/>
+          </a:xfrm>
+          <a:custGeom>
+            <a:rect b="b" l="l" r="r" t="t"/>
+            <a:pathLst>
+              <a:path extrusionOk="0" h="120000" w="120000">
+                <a:moveTo>
+                  <a:pt x="0" y="0"/>
+                </a:moveTo>
+                <a:lnTo>
+                  <a:pt x="120000" y="0"/>
+                </a:lnTo>
+                <a:lnTo>
+                  <a:pt x="120000" y="120000"/>
+                </a:lnTo>
+                <a:lnTo>
+                  <a:pt x="0" y="120000"/>
+                </a:lnTo>
+                <a:close/>
+              </a:path>
+            </a:pathLst>
+          </a:custGeom>
+        </p:spPr>
+      </p:sp>
+      <p:sp>
+        <p:nvSpPr>
+          <p:cNvPr id="97" name="Google Shape;97;ga216dd2347_0_193:notes"/>
+          <p:cNvSpPr txBox="1"/>
+          <p:nvPr>
+            <p:ph idx="1" type="body"/>
+          </p:nvPr>
+        </p:nvSpPr>
+        <p:spPr>
+          <a:xfrm>
+            <a:off x="685800" y="4343400"/>
+            <a:ext cx="5486400" cy="4114800"/>
+          </a:xfrm>
+          <a:prstGeom prst="rect">
+            <a:avLst/>
+          </a:prstGeom>
+        </p:spPr>
+        <p:txBody>
+          <a:bodyPr anchorCtr="0" anchor="t" bIns="91425" lIns="91425" spcFirstLastPara="1" rIns="91425" wrap="square" tIns="91425">
+            <a:noAutofit/>
+          </a:bodyPr>
+          <a:lstStyle/>
+          <a:p>
+            <a:pPr indent="0" lvl="0" marL="0" rtl="0" algn="l">
+              <a:spcBef>
+                <a:spcPts val="0"/>
+              </a:spcBef>
+              <a:spcAft>
+                <a:spcPts val="0"/>
+              </a:spcAft>
+              <a:buNone/>
+            </a:pPr>
+            <a:r>
+              <a:t/>
+            </a:r>
+            <a:endParaRPr/>
+          </a:p>
+        </p:txBody>
+      </p:sp>
+    </p:spTree>
+  </p:cSld>
+  <p:clrMapOvr>
+    <a:masterClrMapping/>
+  </p:clrMapOvr>
+</p:notes>
+</file>
+
+<file path=ppt/notesSlides/notesSlide9.xml><?xml version="1.0" encoding="utf-8"?>
+<p:notes xmlns:a="http://schemas.openxmlformats.org/drawingml/2006/main" xmlns:r="http://schemas.openxmlformats.org/officeDocument/2006/relationships" xmlns:mc="http://schemas.openxmlformats.org/markup-compatibility/2006" xmlns:mv="urn:schemas-microsoft-com:mac:vml" xmlns:p="http://schemas.openxmlformats.org/presentationml/2006/main" xmlns:c="http://schemas.openxmlformats.org/drawingml/2006/chart" xmlns:dgm="http://schemas.openxmlformats.org/drawingml/2006/diagram" xmlns:o="urn:schemas-microsoft-com:office:office" xmlns:v="urn:schemas-microsoft-com:vml" xmlns:pvml="urn:schemas-microsoft-com:office:powerpoint" xmlns:com="http://schemas.openxmlformats.org/drawingml/2006/compatibility" xmlns:p14="http://schemas.microsoft.com/office/powerpoint/2010/main" xmlns:p15="http://schemas.microsoft.com/office/powerpoint/2012/main" xmlns:ahyp="http://schemas.microsoft.com/office/drawing/2018/hyperlinkcolor" showMasterPhAnim="0" showMasterSp="0">
+  <p:cSld>
+    <p:spTree>
+      <p:nvGrpSpPr>
+        <p:cNvPr id="104" name="Shape 104"/>
+        <p:cNvGrpSpPr/>
+        <p:nvPr/>
+      </p:nvGrpSpPr>
+      <p:grpSpPr>
+        <a:xfrm>
+          <a:off x="0" y="0"/>
+          <a:ext cx="0" cy="0"/>
+          <a:chOff x="0" y="0"/>
+          <a:chExt cx="0" cy="0"/>
+        </a:xfrm>
+      </p:grpSpPr>
+      <p:sp>
+        <p:nvSpPr>
+          <p:cNvPr id="105" name="Google Shape;105;ga216dd2347_0_135:notes"/>
+          <p:cNvSpPr/>
+          <p:nvPr>
+            <p:ph idx="2" type="sldImg"/>
+          </p:nvPr>
+        </p:nvSpPr>
+        <p:spPr>
+          <a:xfrm>
+            <a:off x="381300" y="685800"/>
+            <a:ext cx="6096000" cy="3429000"/>
+          </a:xfrm>
+          <a:custGeom>
+            <a:rect b="b" l="l" r="r" t="t"/>
+            <a:pathLst>
+              <a:path extrusionOk="0" h="120000" w="120000">
+                <a:moveTo>
+                  <a:pt x="0" y="0"/>
+                </a:moveTo>
+                <a:lnTo>
+                  <a:pt x="120000" y="0"/>
+                </a:lnTo>
+                <a:lnTo>
+                  <a:pt x="120000" y="120000"/>
+                </a:lnTo>
+                <a:lnTo>
+                  <a:pt x="0" y="120000"/>
+                </a:lnTo>
+                <a:close/>
+              </a:path>
+            </a:pathLst>
+          </a:custGeom>
+        </p:spPr>
+      </p:sp>
+      <p:sp>
+        <p:nvSpPr>
+          <p:cNvPr id="106" name="Google Shape;106;ga216dd2347_0_135:notes"/>
           <p:cNvSpPr txBox="1"/>
           <p:nvPr>
             <p:ph idx="1" type="body"/>
@@ -1324,7 +2124,7 @@
             <a:noAutofit/>
           </a:bodyPr>
           <a:lstStyle>
-            <a:lvl1pPr lvl="0" algn="ctr">
+            <a:lvl1pPr lvl="0" rtl="0" algn="ctr">
               <a:spcBef>
                 <a:spcPts val="0"/>
               </a:spcBef>
@@ -1335,7 +2135,7 @@
               <a:buNone/>
               <a:defRPr sz="5200"/>
             </a:lvl1pPr>
-            <a:lvl2pPr lvl="1" algn="ctr">
+            <a:lvl2pPr lvl="1" rtl="0" algn="ctr">
               <a:spcBef>
                 <a:spcPts val="0"/>
               </a:spcBef>
@@ -1346,7 +2146,7 @@
               <a:buNone/>
               <a:defRPr sz="5200"/>
             </a:lvl2pPr>
-            <a:lvl3pPr lvl="2" algn="ctr">
+            <a:lvl3pPr lvl="2" rtl="0" algn="ctr">
               <a:spcBef>
                 <a:spcPts val="0"/>
               </a:spcBef>
@@ -1357,7 +2157,7 @@
               <a:buNone/>
               <a:defRPr sz="5200"/>
             </a:lvl3pPr>
-            <a:lvl4pPr lvl="3" algn="ctr">
+            <a:lvl4pPr lvl="3" rtl="0" algn="ctr">
               <a:spcBef>
                 <a:spcPts val="0"/>
               </a:spcBef>
@@ -1368,7 +2168,7 @@
               <a:buNone/>
               <a:defRPr sz="5200"/>
             </a:lvl4pPr>
-            <a:lvl5pPr lvl="4" algn="ctr">
+            <a:lvl5pPr lvl="4" rtl="0" algn="ctr">
               <a:spcBef>
                 <a:spcPts val="0"/>
               </a:spcBef>
@@ -1379,7 +2179,7 @@
               <a:buNone/>
               <a:defRPr sz="5200"/>
             </a:lvl5pPr>
-            <a:lvl6pPr lvl="5" algn="ctr">
+            <a:lvl6pPr lvl="5" rtl="0" algn="ctr">
               <a:spcBef>
                 <a:spcPts val="0"/>
               </a:spcBef>
@@ -1390,7 +2190,7 @@
               <a:buNone/>
               <a:defRPr sz="5200"/>
             </a:lvl6pPr>
-            <a:lvl7pPr lvl="6" algn="ctr">
+            <a:lvl7pPr lvl="6" rtl="0" algn="ctr">
               <a:spcBef>
                 <a:spcPts val="0"/>
               </a:spcBef>
@@ -1401,7 +2201,7 @@
               <a:buNone/>
               <a:defRPr sz="5200"/>
             </a:lvl7pPr>
-            <a:lvl8pPr lvl="7" algn="ctr">
+            <a:lvl8pPr lvl="7" rtl="0" algn="ctr">
               <a:spcBef>
                 <a:spcPts val="0"/>
               </a:spcBef>
@@ -1412,7 +2212,7 @@
               <a:buNone/>
               <a:defRPr sz="5200"/>
             </a:lvl8pPr>
-            <a:lvl9pPr lvl="8" algn="ctr">
+            <a:lvl9pPr lvl="8" rtl="0" algn="ctr">
               <a:spcBef>
                 <a:spcPts val="0"/>
               </a:spcBef>
@@ -1449,7 +2249,7 @@
             <a:noAutofit/>
           </a:bodyPr>
           <a:lstStyle>
-            <a:lvl1pPr lvl="0" algn="ctr">
+            <a:lvl1pPr lvl="0" rtl="0" algn="ctr">
               <a:lnSpc>
                 <a:spcPct val="100000"/>
               </a:lnSpc>
@@ -1463,7 +2263,7 @@
               <a:buNone/>
               <a:defRPr sz="2800"/>
             </a:lvl1pPr>
-            <a:lvl2pPr lvl="1" algn="ctr">
+            <a:lvl2pPr lvl="1" rtl="0" algn="ctr">
               <a:lnSpc>
                 <a:spcPct val="100000"/>
               </a:lnSpc>
@@ -1477,7 +2277,7 @@
               <a:buNone/>
               <a:defRPr sz="2800"/>
             </a:lvl2pPr>
-            <a:lvl3pPr lvl="2" algn="ctr">
+            <a:lvl3pPr lvl="2" rtl="0" algn="ctr">
               <a:lnSpc>
                 <a:spcPct val="100000"/>
               </a:lnSpc>
@@ -1491,7 +2291,7 @@
               <a:buNone/>
               <a:defRPr sz="2800"/>
             </a:lvl3pPr>
-            <a:lvl4pPr lvl="3" algn="ctr">
+            <a:lvl4pPr lvl="3" rtl="0" algn="ctr">
               <a:lnSpc>
                 <a:spcPct val="100000"/>
               </a:lnSpc>
@@ -1505,7 +2305,7 @@
               <a:buNone/>
               <a:defRPr sz="2800"/>
             </a:lvl4pPr>
-            <a:lvl5pPr lvl="4" algn="ctr">
+            <a:lvl5pPr lvl="4" rtl="0" algn="ctr">
               <a:lnSpc>
                 <a:spcPct val="100000"/>
               </a:lnSpc>
@@ -1519,7 +2319,7 @@
               <a:buNone/>
               <a:defRPr sz="2800"/>
             </a:lvl5pPr>
-            <a:lvl6pPr lvl="5" algn="ctr">
+            <a:lvl6pPr lvl="5" rtl="0" algn="ctr">
               <a:lnSpc>
                 <a:spcPct val="100000"/>
               </a:lnSpc>
@@ -1533,7 +2333,7 @@
               <a:buNone/>
               <a:defRPr sz="2800"/>
             </a:lvl6pPr>
-            <a:lvl7pPr lvl="6" algn="ctr">
+            <a:lvl7pPr lvl="6" rtl="0" algn="ctr">
               <a:lnSpc>
                 <a:spcPct val="100000"/>
               </a:lnSpc>
@@ -1547,7 +2347,7 @@
               <a:buNone/>
               <a:defRPr sz="2800"/>
             </a:lvl7pPr>
-            <a:lvl8pPr lvl="7" algn="ctr">
+            <a:lvl8pPr lvl="7" rtl="0" algn="ctr">
               <a:lnSpc>
                 <a:spcPct val="100000"/>
               </a:lnSpc>
@@ -1561,7 +2361,7 @@
               <a:buNone/>
               <a:defRPr sz="2800"/>
             </a:lvl8pPr>
-            <a:lvl9pPr lvl="8" algn="ctr">
+            <a:lvl9pPr lvl="8" rtl="0" algn="ctr">
               <a:lnSpc>
                 <a:spcPct val="100000"/>
               </a:lnSpc>
@@ -1601,39 +2401,39 @@
             <a:noAutofit/>
           </a:bodyPr>
           <a:lstStyle>
-            <a:lvl1pPr lvl="0">
+            <a:lvl1pPr lvl="0" rtl="0">
               <a:buNone/>
               <a:defRPr/>
             </a:lvl1pPr>
-            <a:lvl2pPr lvl="1">
+            <a:lvl2pPr lvl="1" rtl="0">
               <a:buNone/>
               <a:defRPr/>
             </a:lvl2pPr>
-            <a:lvl3pPr lvl="2">
+            <a:lvl3pPr lvl="2" rtl="0">
               <a:buNone/>
               <a:defRPr/>
             </a:lvl3pPr>
-            <a:lvl4pPr lvl="3">
+            <a:lvl4pPr lvl="3" rtl="0">
               <a:buNone/>
               <a:defRPr/>
             </a:lvl4pPr>
-            <a:lvl5pPr lvl="4">
+            <a:lvl5pPr lvl="4" rtl="0">
               <a:buNone/>
               <a:defRPr/>
             </a:lvl5pPr>
-            <a:lvl6pPr lvl="5">
+            <a:lvl6pPr lvl="5" rtl="0">
               <a:buNone/>
               <a:defRPr/>
             </a:lvl6pPr>
-            <a:lvl7pPr lvl="6">
+            <a:lvl7pPr lvl="6" rtl="0">
               <a:buNone/>
               <a:defRPr/>
             </a:lvl7pPr>
-            <a:lvl8pPr lvl="7">
+            <a:lvl8pPr lvl="7" rtl="0">
               <a:buNone/>
               <a:defRPr/>
             </a:lvl8pPr>
-            <a:lvl9pPr lvl="8">
+            <a:lvl9pPr lvl="8" rtl="0">
               <a:buNone/>
               <a:defRPr/>
             </a:lvl9pPr>
@@ -1703,7 +2503,7 @@
             <a:noAutofit/>
           </a:bodyPr>
           <a:lstStyle>
-            <a:lvl1pPr lvl="0" algn="ctr">
+            <a:lvl1pPr lvl="0" rtl="0" algn="ctr">
               <a:spcBef>
                 <a:spcPts val="0"/>
               </a:spcBef>
@@ -1714,7 +2514,7 @@
               <a:buNone/>
               <a:defRPr sz="12000"/>
             </a:lvl1pPr>
-            <a:lvl2pPr lvl="1" algn="ctr">
+            <a:lvl2pPr lvl="1" rtl="0" algn="ctr">
               <a:spcBef>
                 <a:spcPts val="0"/>
               </a:spcBef>
@@ -1725,7 +2525,7 @@
               <a:buNone/>
               <a:defRPr sz="12000"/>
             </a:lvl2pPr>
-            <a:lvl3pPr lvl="2" algn="ctr">
+            <a:lvl3pPr lvl="2" rtl="0" algn="ctr">
               <a:spcBef>
                 <a:spcPts val="0"/>
               </a:spcBef>
@@ -1736,7 +2536,7 @@
               <a:buNone/>
               <a:defRPr sz="12000"/>
             </a:lvl3pPr>
-            <a:lvl4pPr lvl="3" algn="ctr">
+            <a:lvl4pPr lvl="3" rtl="0" algn="ctr">
               <a:spcBef>
                 <a:spcPts val="0"/>
               </a:spcBef>
@@ -1747,7 +2547,7 @@
               <a:buNone/>
               <a:defRPr sz="12000"/>
             </a:lvl4pPr>
-            <a:lvl5pPr lvl="4" algn="ctr">
+            <a:lvl5pPr lvl="4" rtl="0" algn="ctr">
               <a:spcBef>
                 <a:spcPts val="0"/>
               </a:spcBef>
@@ -1758,7 +2558,7 @@
               <a:buNone/>
               <a:defRPr sz="12000"/>
             </a:lvl5pPr>
-            <a:lvl6pPr lvl="5" algn="ctr">
+            <a:lvl6pPr lvl="5" rtl="0" algn="ctr">
               <a:spcBef>
                 <a:spcPts val="0"/>
               </a:spcBef>
@@ -1769,7 +2569,7 @@
               <a:buNone/>
               <a:defRPr sz="12000"/>
             </a:lvl6pPr>
-            <a:lvl7pPr lvl="6" algn="ctr">
+            <a:lvl7pPr lvl="6" rtl="0" algn="ctr">
               <a:spcBef>
                 <a:spcPts val="0"/>
               </a:spcBef>
@@ -1780,7 +2580,7 @@
               <a:buNone/>
               <a:defRPr sz="12000"/>
             </a:lvl7pPr>
-            <a:lvl8pPr lvl="7" algn="ctr">
+            <a:lvl8pPr lvl="7" rtl="0" algn="ctr">
               <a:spcBef>
                 <a:spcPts val="0"/>
               </a:spcBef>
@@ -1791,7 +2591,7 @@
               <a:buNone/>
               <a:defRPr sz="12000"/>
             </a:lvl8pPr>
-            <a:lvl9pPr lvl="8" algn="ctr">
+            <a:lvl9pPr lvl="8" rtl="0" algn="ctr">
               <a:spcBef>
                 <a:spcPts val="0"/>
               </a:spcBef>
@@ -1832,7 +2632,7 @@
             <a:noAutofit/>
           </a:bodyPr>
           <a:lstStyle>
-            <a:lvl1pPr indent="-342900" lvl="0" marL="457200" algn="ctr">
+            <a:lvl1pPr indent="-342900" lvl="0" marL="457200" rtl="0" algn="ctr">
               <a:spcBef>
                 <a:spcPts val="0"/>
               </a:spcBef>
@@ -1843,7 +2643,7 @@
               <a:buChar char="●"/>
               <a:defRPr/>
             </a:lvl1pPr>
-            <a:lvl2pPr indent="-317500" lvl="1" marL="914400" algn="ctr">
+            <a:lvl2pPr indent="-317500" lvl="1" marL="914400" rtl="0" algn="ctr">
               <a:spcBef>
                 <a:spcPts val="1600"/>
               </a:spcBef>
@@ -1854,7 +2654,7 @@
               <a:buChar char="○"/>
               <a:defRPr/>
             </a:lvl2pPr>
-            <a:lvl3pPr indent="-317500" lvl="2" marL="1371600" algn="ctr">
+            <a:lvl3pPr indent="-317500" lvl="2" marL="1371600" rtl="0" algn="ctr">
               <a:spcBef>
                 <a:spcPts val="1600"/>
               </a:spcBef>
@@ -1865,7 +2665,7 @@
               <a:buChar char="■"/>
               <a:defRPr/>
             </a:lvl3pPr>
-            <a:lvl4pPr indent="-317500" lvl="3" marL="1828800" algn="ctr">
+            <a:lvl4pPr indent="-317500" lvl="3" marL="1828800" rtl="0" algn="ctr">
               <a:spcBef>
                 <a:spcPts val="1600"/>
               </a:spcBef>
@@ -1876,7 +2676,7 @@
               <a:buChar char="●"/>
               <a:defRPr/>
             </a:lvl4pPr>
-            <a:lvl5pPr indent="-317500" lvl="4" marL="2286000" algn="ctr">
+            <a:lvl5pPr indent="-317500" lvl="4" marL="2286000" rtl="0" algn="ctr">
               <a:spcBef>
                 <a:spcPts val="1600"/>
               </a:spcBef>
@@ -1887,7 +2687,7 @@
               <a:buChar char="○"/>
               <a:defRPr/>
             </a:lvl5pPr>
-            <a:lvl6pPr indent="-317500" lvl="5" marL="2743200" algn="ctr">
+            <a:lvl6pPr indent="-317500" lvl="5" marL="2743200" rtl="0" algn="ctr">
               <a:spcBef>
                 <a:spcPts val="1600"/>
               </a:spcBef>
@@ -1898,7 +2698,7 @@
               <a:buChar char="■"/>
               <a:defRPr/>
             </a:lvl6pPr>
-            <a:lvl7pPr indent="-317500" lvl="6" marL="3200400" algn="ctr">
+            <a:lvl7pPr indent="-317500" lvl="6" marL="3200400" rtl="0" algn="ctr">
               <a:spcBef>
                 <a:spcPts val="1600"/>
               </a:spcBef>
@@ -1909,7 +2709,7 @@
               <a:buChar char="●"/>
               <a:defRPr/>
             </a:lvl7pPr>
-            <a:lvl8pPr indent="-317500" lvl="7" marL="3657600" algn="ctr">
+            <a:lvl8pPr indent="-317500" lvl="7" marL="3657600" rtl="0" algn="ctr">
               <a:spcBef>
                 <a:spcPts val="1600"/>
               </a:spcBef>
@@ -1920,7 +2720,7 @@
               <a:buChar char="○"/>
               <a:defRPr/>
             </a:lvl8pPr>
-            <a:lvl9pPr indent="-317500" lvl="8" marL="4114800" algn="ctr">
+            <a:lvl9pPr indent="-317500" lvl="8" marL="4114800" rtl="0" algn="ctr">
               <a:spcBef>
                 <a:spcPts val="1600"/>
               </a:spcBef>
@@ -1957,39 +2757,39 @@
             <a:noAutofit/>
           </a:bodyPr>
           <a:lstStyle>
-            <a:lvl1pPr lvl="0">
+            <a:lvl1pPr lvl="0" rtl="0">
               <a:buNone/>
               <a:defRPr/>
             </a:lvl1pPr>
-            <a:lvl2pPr lvl="1">
+            <a:lvl2pPr lvl="1" rtl="0">
               <a:buNone/>
               <a:defRPr/>
             </a:lvl2pPr>
-            <a:lvl3pPr lvl="2">
+            <a:lvl3pPr lvl="2" rtl="0">
               <a:buNone/>
               <a:defRPr/>
             </a:lvl3pPr>
-            <a:lvl4pPr lvl="3">
+            <a:lvl4pPr lvl="3" rtl="0">
               <a:buNone/>
               <a:defRPr/>
             </a:lvl4pPr>
-            <a:lvl5pPr lvl="4">
+            <a:lvl5pPr lvl="4" rtl="0">
               <a:buNone/>
               <a:defRPr/>
             </a:lvl5pPr>
-            <a:lvl6pPr lvl="5">
+            <a:lvl6pPr lvl="5" rtl="0">
               <a:buNone/>
               <a:defRPr/>
             </a:lvl6pPr>
-            <a:lvl7pPr lvl="6">
+            <a:lvl7pPr lvl="6" rtl="0">
               <a:buNone/>
               <a:defRPr/>
             </a:lvl7pPr>
-            <a:lvl8pPr lvl="7">
+            <a:lvl8pPr lvl="7" rtl="0">
               <a:buNone/>
               <a:defRPr/>
             </a:lvl8pPr>
-            <a:lvl9pPr lvl="8">
+            <a:lvl9pPr lvl="8" rtl="0">
               <a:buNone/>
               <a:defRPr/>
             </a:lvl9pPr>
@@ -2059,39 +2859,39 @@
             <a:noAutofit/>
           </a:bodyPr>
           <a:lstStyle>
-            <a:lvl1pPr lvl="0">
+            <a:lvl1pPr lvl="0" rtl="0">
               <a:buNone/>
               <a:defRPr/>
             </a:lvl1pPr>
-            <a:lvl2pPr lvl="1">
+            <a:lvl2pPr lvl="1" rtl="0">
               <a:buNone/>
               <a:defRPr/>
             </a:lvl2pPr>
-            <a:lvl3pPr lvl="2">
+            <a:lvl3pPr lvl="2" rtl="0">
               <a:buNone/>
               <a:defRPr/>
             </a:lvl3pPr>
-            <a:lvl4pPr lvl="3">
+            <a:lvl4pPr lvl="3" rtl="0">
               <a:buNone/>
               <a:defRPr/>
             </a:lvl4pPr>
-            <a:lvl5pPr lvl="4">
+            <a:lvl5pPr lvl="4" rtl="0">
               <a:buNone/>
               <a:defRPr/>
             </a:lvl5pPr>
-            <a:lvl6pPr lvl="5">
+            <a:lvl6pPr lvl="5" rtl="0">
               <a:buNone/>
               <a:defRPr/>
             </a:lvl6pPr>
-            <a:lvl7pPr lvl="6">
+            <a:lvl7pPr lvl="6" rtl="0">
               <a:buNone/>
               <a:defRPr/>
             </a:lvl7pPr>
-            <a:lvl8pPr lvl="7">
+            <a:lvl8pPr lvl="7" rtl="0">
               <a:buNone/>
               <a:defRPr/>
             </a:lvl8pPr>
-            <a:lvl9pPr lvl="8">
+            <a:lvl9pPr lvl="8" rtl="0">
               <a:buNone/>
               <a:defRPr/>
             </a:lvl9pPr>
@@ -2161,7 +2961,7 @@
             <a:noAutofit/>
           </a:bodyPr>
           <a:lstStyle>
-            <a:lvl1pPr lvl="0" algn="ctr">
+            <a:lvl1pPr lvl="0" rtl="0" algn="ctr">
               <a:spcBef>
                 <a:spcPts val="0"/>
               </a:spcBef>
@@ -2172,7 +2972,7 @@
               <a:buNone/>
               <a:defRPr sz="3600"/>
             </a:lvl1pPr>
-            <a:lvl2pPr lvl="1" algn="ctr">
+            <a:lvl2pPr lvl="1" rtl="0" algn="ctr">
               <a:spcBef>
                 <a:spcPts val="0"/>
               </a:spcBef>
@@ -2183,7 +2983,7 @@
               <a:buNone/>
               <a:defRPr sz="3600"/>
             </a:lvl2pPr>
-            <a:lvl3pPr lvl="2" algn="ctr">
+            <a:lvl3pPr lvl="2" rtl="0" algn="ctr">
               <a:spcBef>
                 <a:spcPts val="0"/>
               </a:spcBef>
@@ -2194,7 +2994,7 @@
               <a:buNone/>
               <a:defRPr sz="3600"/>
             </a:lvl3pPr>
-            <a:lvl4pPr lvl="3" algn="ctr">
+            <a:lvl4pPr lvl="3" rtl="0" algn="ctr">
               <a:spcBef>
                 <a:spcPts val="0"/>
               </a:spcBef>
@@ -2205,7 +3005,7 @@
               <a:buNone/>
               <a:defRPr sz="3600"/>
             </a:lvl4pPr>
-            <a:lvl5pPr lvl="4" algn="ctr">
+            <a:lvl5pPr lvl="4" rtl="0" algn="ctr">
               <a:spcBef>
                 <a:spcPts val="0"/>
               </a:spcBef>
@@ -2216,7 +3016,7 @@
               <a:buNone/>
               <a:defRPr sz="3600"/>
             </a:lvl5pPr>
-            <a:lvl6pPr lvl="5" algn="ctr">
+            <a:lvl6pPr lvl="5" rtl="0" algn="ctr">
               <a:spcBef>
                 <a:spcPts val="0"/>
               </a:spcBef>
@@ -2227,7 +3027,7 @@
               <a:buNone/>
               <a:defRPr sz="3600"/>
             </a:lvl6pPr>
-            <a:lvl7pPr lvl="6" algn="ctr">
+            <a:lvl7pPr lvl="6" rtl="0" algn="ctr">
               <a:spcBef>
                 <a:spcPts val="0"/>
               </a:spcBef>
@@ -2238,7 +3038,7 @@
               <a:buNone/>
               <a:defRPr sz="3600"/>
             </a:lvl7pPr>
-            <a:lvl8pPr lvl="7" algn="ctr">
+            <a:lvl8pPr lvl="7" rtl="0" algn="ctr">
               <a:spcBef>
                 <a:spcPts val="0"/>
               </a:spcBef>
@@ -2249,7 +3049,7 @@
               <a:buNone/>
               <a:defRPr sz="3600"/>
             </a:lvl8pPr>
-            <a:lvl9pPr lvl="8" algn="ctr">
+            <a:lvl9pPr lvl="8" rtl="0" algn="ctr">
               <a:spcBef>
                 <a:spcPts val="0"/>
               </a:spcBef>
@@ -2286,39 +3086,39 @@
             <a:noAutofit/>
           </a:bodyPr>
           <a:lstStyle>
-            <a:lvl1pPr lvl="0">
+            <a:lvl1pPr lvl="0" rtl="0">
               <a:buNone/>
               <a:defRPr/>
             </a:lvl1pPr>
-            <a:lvl2pPr lvl="1">
+            <a:lvl2pPr lvl="1" rtl="0">
               <a:buNone/>
               <a:defRPr/>
             </a:lvl2pPr>
-            <a:lvl3pPr lvl="2">
+            <a:lvl3pPr lvl="2" rtl="0">
               <a:buNone/>
               <a:defRPr/>
             </a:lvl3pPr>
-            <a:lvl4pPr lvl="3">
+            <a:lvl4pPr lvl="3" rtl="0">
               <a:buNone/>
               <a:defRPr/>
             </a:lvl4pPr>
-            <a:lvl5pPr lvl="4">
+            <a:lvl5pPr lvl="4" rtl="0">
               <a:buNone/>
               <a:defRPr/>
             </a:lvl5pPr>
-            <a:lvl6pPr lvl="5">
+            <a:lvl6pPr lvl="5" rtl="0">
               <a:buNone/>
               <a:defRPr/>
             </a:lvl6pPr>
-            <a:lvl7pPr lvl="6">
+            <a:lvl7pPr lvl="6" rtl="0">
               <a:buNone/>
               <a:defRPr/>
             </a:lvl7pPr>
-            <a:lvl8pPr lvl="7">
+            <a:lvl8pPr lvl="7" rtl="0">
               <a:buNone/>
               <a:defRPr/>
             </a:lvl8pPr>
-            <a:lvl9pPr lvl="8">
+            <a:lvl9pPr lvl="8" rtl="0">
               <a:buNone/>
               <a:defRPr/>
             </a:lvl9pPr>
@@ -2388,7 +3188,7 @@
             <a:noAutofit/>
           </a:bodyPr>
           <a:lstStyle>
-            <a:lvl1pPr lvl="0">
+            <a:lvl1pPr lvl="0" rtl="0">
               <a:spcBef>
                 <a:spcPts val="0"/>
               </a:spcBef>
@@ -2399,7 +3199,7 @@
               <a:buNone/>
               <a:defRPr/>
             </a:lvl1pPr>
-            <a:lvl2pPr lvl="1">
+            <a:lvl2pPr lvl="1" rtl="0">
               <a:spcBef>
                 <a:spcPts val="0"/>
               </a:spcBef>
@@ -2410,7 +3210,7 @@
               <a:buNone/>
               <a:defRPr/>
             </a:lvl2pPr>
-            <a:lvl3pPr lvl="2">
+            <a:lvl3pPr lvl="2" rtl="0">
               <a:spcBef>
                 <a:spcPts val="0"/>
               </a:spcBef>
@@ -2421,7 +3221,7 @@
               <a:buNone/>
               <a:defRPr/>
             </a:lvl3pPr>
-            <a:lvl4pPr lvl="3">
+            <a:lvl4pPr lvl="3" rtl="0">
               <a:spcBef>
                 <a:spcPts val="0"/>
               </a:spcBef>
@@ -2432,7 +3232,7 @@
               <a:buNone/>
               <a:defRPr/>
             </a:lvl4pPr>
-            <a:lvl5pPr lvl="4">
+            <a:lvl5pPr lvl="4" rtl="0">
               <a:spcBef>
                 <a:spcPts val="0"/>
               </a:spcBef>
@@ -2443,7 +3243,7 @@
               <a:buNone/>
               <a:defRPr/>
             </a:lvl5pPr>
-            <a:lvl6pPr lvl="5">
+            <a:lvl6pPr lvl="5" rtl="0">
               <a:spcBef>
                 <a:spcPts val="0"/>
               </a:spcBef>
@@ -2454,7 +3254,7 @@
               <a:buNone/>
               <a:defRPr/>
             </a:lvl6pPr>
-            <a:lvl7pPr lvl="6">
+            <a:lvl7pPr lvl="6" rtl="0">
               <a:spcBef>
                 <a:spcPts val="0"/>
               </a:spcBef>
@@ -2465,7 +3265,7 @@
               <a:buNone/>
               <a:defRPr/>
             </a:lvl7pPr>
-            <a:lvl8pPr lvl="7">
+            <a:lvl8pPr lvl="7" rtl="0">
               <a:spcBef>
                 <a:spcPts val="0"/>
               </a:spcBef>
@@ -2476,7 +3276,7 @@
               <a:buNone/>
               <a:defRPr/>
             </a:lvl8pPr>
-            <a:lvl9pPr lvl="8">
+            <a:lvl9pPr lvl="8" rtl="0">
               <a:spcBef>
                 <a:spcPts val="0"/>
               </a:spcBef>
@@ -2513,7 +3313,7 @@
             <a:noAutofit/>
           </a:bodyPr>
           <a:lstStyle>
-            <a:lvl1pPr indent="-342900" lvl="0" marL="457200">
+            <a:lvl1pPr indent="-342900" lvl="0" marL="457200" rtl="0">
               <a:spcBef>
                 <a:spcPts val="0"/>
               </a:spcBef>
@@ -2524,7 +3324,7 @@
               <a:buChar char="●"/>
               <a:defRPr/>
             </a:lvl1pPr>
-            <a:lvl2pPr indent="-317500" lvl="1" marL="914400">
+            <a:lvl2pPr indent="-317500" lvl="1" marL="914400" rtl="0">
               <a:spcBef>
                 <a:spcPts val="1600"/>
               </a:spcBef>
@@ -2535,7 +3335,7 @@
               <a:buChar char="○"/>
               <a:defRPr/>
             </a:lvl2pPr>
-            <a:lvl3pPr indent="-317500" lvl="2" marL="1371600">
+            <a:lvl3pPr indent="-317500" lvl="2" marL="1371600" rtl="0">
               <a:spcBef>
                 <a:spcPts val="1600"/>
               </a:spcBef>
@@ -2546,7 +3346,7 @@
               <a:buChar char="■"/>
               <a:defRPr/>
             </a:lvl3pPr>
-            <a:lvl4pPr indent="-317500" lvl="3" marL="1828800">
+            <a:lvl4pPr indent="-317500" lvl="3" marL="1828800" rtl="0">
               <a:spcBef>
                 <a:spcPts val="1600"/>
               </a:spcBef>
@@ -2557,7 +3357,7 @@
               <a:buChar char="●"/>
               <a:defRPr/>
             </a:lvl4pPr>
-            <a:lvl5pPr indent="-317500" lvl="4" marL="2286000">
+            <a:lvl5pPr indent="-317500" lvl="4" marL="2286000" rtl="0">
               <a:spcBef>
                 <a:spcPts val="1600"/>
               </a:spcBef>
@@ -2568,7 +3368,7 @@
               <a:buChar char="○"/>
               <a:defRPr/>
             </a:lvl5pPr>
-            <a:lvl6pPr indent="-317500" lvl="5" marL="2743200">
+            <a:lvl6pPr indent="-317500" lvl="5" marL="2743200" rtl="0">
               <a:spcBef>
                 <a:spcPts val="1600"/>
               </a:spcBef>
@@ -2579,7 +3379,7 @@
               <a:buChar char="■"/>
               <a:defRPr/>
             </a:lvl6pPr>
-            <a:lvl7pPr indent="-317500" lvl="6" marL="3200400">
+            <a:lvl7pPr indent="-317500" lvl="6" marL="3200400" rtl="0">
               <a:spcBef>
                 <a:spcPts val="1600"/>
               </a:spcBef>
@@ -2590,7 +3390,7 @@
               <a:buChar char="●"/>
               <a:defRPr/>
             </a:lvl7pPr>
-            <a:lvl8pPr indent="-317500" lvl="7" marL="3657600">
+            <a:lvl8pPr indent="-317500" lvl="7" marL="3657600" rtl="0">
               <a:spcBef>
                 <a:spcPts val="1600"/>
               </a:spcBef>
@@ -2601,7 +3401,7 @@
               <a:buChar char="○"/>
               <a:defRPr/>
             </a:lvl8pPr>
-            <a:lvl9pPr indent="-317500" lvl="8" marL="4114800">
+            <a:lvl9pPr indent="-317500" lvl="8" marL="4114800" rtl="0">
               <a:spcBef>
                 <a:spcPts val="1600"/>
               </a:spcBef>
@@ -2638,39 +3438,39 @@
             <a:noAutofit/>
           </a:bodyPr>
           <a:lstStyle>
-            <a:lvl1pPr lvl="0">
+            <a:lvl1pPr lvl="0" rtl="0">
               <a:buNone/>
               <a:defRPr/>
             </a:lvl1pPr>
-            <a:lvl2pPr lvl="1">
+            <a:lvl2pPr lvl="1" rtl="0">
               <a:buNone/>
               <a:defRPr/>
             </a:lvl2pPr>
-            <a:lvl3pPr lvl="2">
+            <a:lvl3pPr lvl="2" rtl="0">
               <a:buNone/>
               <a:defRPr/>
             </a:lvl3pPr>
-            <a:lvl4pPr lvl="3">
+            <a:lvl4pPr lvl="3" rtl="0">
               <a:buNone/>
               <a:defRPr/>
             </a:lvl4pPr>
-            <a:lvl5pPr lvl="4">
+            <a:lvl5pPr lvl="4" rtl="0">
               <a:buNone/>
               <a:defRPr/>
             </a:lvl5pPr>
-            <a:lvl6pPr lvl="5">
+            <a:lvl6pPr lvl="5" rtl="0">
               <a:buNone/>
               <a:defRPr/>
             </a:lvl6pPr>
-            <a:lvl7pPr lvl="6">
+            <a:lvl7pPr lvl="6" rtl="0">
               <a:buNone/>
               <a:defRPr/>
             </a:lvl7pPr>
-            <a:lvl8pPr lvl="7">
+            <a:lvl8pPr lvl="7" rtl="0">
               <a:buNone/>
               <a:defRPr/>
             </a:lvl8pPr>
-            <a:lvl9pPr lvl="8">
+            <a:lvl9pPr lvl="8" rtl="0">
               <a:buNone/>
               <a:defRPr/>
             </a:lvl9pPr>
@@ -2740,7 +3540,7 @@
             <a:noAutofit/>
           </a:bodyPr>
           <a:lstStyle>
-            <a:lvl1pPr lvl="0">
+            <a:lvl1pPr lvl="0" rtl="0">
               <a:spcBef>
                 <a:spcPts val="0"/>
               </a:spcBef>
@@ -2751,7 +3551,7 @@
               <a:buNone/>
               <a:defRPr/>
             </a:lvl1pPr>
-            <a:lvl2pPr lvl="1">
+            <a:lvl2pPr lvl="1" rtl="0">
               <a:spcBef>
                 <a:spcPts val="0"/>
               </a:spcBef>
@@ -2762,7 +3562,7 @@
               <a:buNone/>
               <a:defRPr/>
             </a:lvl2pPr>
-            <a:lvl3pPr lvl="2">
+            <a:lvl3pPr lvl="2" rtl="0">
               <a:spcBef>
                 <a:spcPts val="0"/>
               </a:spcBef>
@@ -2773,7 +3573,7 @@
               <a:buNone/>
               <a:defRPr/>
             </a:lvl3pPr>
-            <a:lvl4pPr lvl="3">
+            <a:lvl4pPr lvl="3" rtl="0">
               <a:spcBef>
                 <a:spcPts val="0"/>
               </a:spcBef>
@@ -2784,7 +3584,7 @@
               <a:buNone/>
               <a:defRPr/>
             </a:lvl4pPr>
-            <a:lvl5pPr lvl="4">
+            <a:lvl5pPr lvl="4" rtl="0">
               <a:spcBef>
                 <a:spcPts val="0"/>
               </a:spcBef>
@@ -2795,7 +3595,7 @@
               <a:buNone/>
               <a:defRPr/>
             </a:lvl5pPr>
-            <a:lvl6pPr lvl="5">
+            <a:lvl6pPr lvl="5" rtl="0">
               <a:spcBef>
                 <a:spcPts val="0"/>
               </a:spcBef>
@@ -2806,7 +3606,7 @@
               <a:buNone/>
               <a:defRPr/>
             </a:lvl6pPr>
-            <a:lvl7pPr lvl="6">
+            <a:lvl7pPr lvl="6" rtl="0">
               <a:spcBef>
                 <a:spcPts val="0"/>
               </a:spcBef>
@@ -2817,7 +3617,7 @@
               <a:buNone/>
               <a:defRPr/>
             </a:lvl7pPr>
-            <a:lvl8pPr lvl="7">
+            <a:lvl8pPr lvl="7" rtl="0">
               <a:spcBef>
                 <a:spcPts val="0"/>
               </a:spcBef>
@@ -2828,7 +3628,7 @@
               <a:buNone/>
               <a:defRPr/>
             </a:lvl8pPr>
-            <a:lvl9pPr lvl="8">
+            <a:lvl9pPr lvl="8" rtl="0">
               <a:spcBef>
                 <a:spcPts val="0"/>
               </a:spcBef>
@@ -2865,7 +3665,7 @@
             <a:noAutofit/>
           </a:bodyPr>
           <a:lstStyle>
-            <a:lvl1pPr indent="-317500" lvl="0" marL="457200">
+            <a:lvl1pPr indent="-317500" lvl="0" marL="457200" rtl="0">
               <a:spcBef>
                 <a:spcPts val="0"/>
               </a:spcBef>
@@ -2876,7 +3676,7 @@
               <a:buChar char="●"/>
               <a:defRPr sz="1400"/>
             </a:lvl1pPr>
-            <a:lvl2pPr indent="-304800" lvl="1" marL="914400">
+            <a:lvl2pPr indent="-304800" lvl="1" marL="914400" rtl="0">
               <a:spcBef>
                 <a:spcPts val="1600"/>
               </a:spcBef>
@@ -2887,7 +3687,7 @@
               <a:buChar char="○"/>
               <a:defRPr sz="1200"/>
             </a:lvl2pPr>
-            <a:lvl3pPr indent="-304800" lvl="2" marL="1371600">
+            <a:lvl3pPr indent="-304800" lvl="2" marL="1371600" rtl="0">
               <a:spcBef>
                 <a:spcPts val="1600"/>
               </a:spcBef>
@@ -2898,7 +3698,7 @@
               <a:buChar char="■"/>
               <a:defRPr sz="1200"/>
             </a:lvl3pPr>
-            <a:lvl4pPr indent="-304800" lvl="3" marL="1828800">
+            <a:lvl4pPr indent="-304800" lvl="3" marL="1828800" rtl="0">
               <a:spcBef>
                 <a:spcPts val="1600"/>
               </a:spcBef>
@@ -2909,7 +3709,7 @@
               <a:buChar char="●"/>
               <a:defRPr sz="1200"/>
             </a:lvl4pPr>
-            <a:lvl5pPr indent="-304800" lvl="4" marL="2286000">
+            <a:lvl5pPr indent="-304800" lvl="4" marL="2286000" rtl="0">
               <a:spcBef>
                 <a:spcPts val="1600"/>
               </a:spcBef>
@@ -2920,7 +3720,7 @@
               <a:buChar char="○"/>
               <a:defRPr sz="1200"/>
             </a:lvl5pPr>
-            <a:lvl6pPr indent="-304800" lvl="5" marL="2743200">
+            <a:lvl6pPr indent="-304800" lvl="5" marL="2743200" rtl="0">
               <a:spcBef>
                 <a:spcPts val="1600"/>
               </a:spcBef>
@@ -2931,7 +3731,7 @@
               <a:buChar char="■"/>
               <a:defRPr sz="1200"/>
             </a:lvl6pPr>
-            <a:lvl7pPr indent="-304800" lvl="6" marL="3200400">
+            <a:lvl7pPr indent="-304800" lvl="6" marL="3200400" rtl="0">
               <a:spcBef>
                 <a:spcPts val="1600"/>
               </a:spcBef>
@@ -2942,7 +3742,7 @@
               <a:buChar char="●"/>
               <a:defRPr sz="1200"/>
             </a:lvl7pPr>
-            <a:lvl8pPr indent="-304800" lvl="7" marL="3657600">
+            <a:lvl8pPr indent="-304800" lvl="7" marL="3657600" rtl="0">
               <a:spcBef>
                 <a:spcPts val="1600"/>
               </a:spcBef>
@@ -2953,7 +3753,7 @@
               <a:buChar char="○"/>
               <a:defRPr sz="1200"/>
             </a:lvl8pPr>
-            <a:lvl9pPr indent="-304800" lvl="8" marL="4114800">
+            <a:lvl9pPr indent="-304800" lvl="8" marL="4114800" rtl="0">
               <a:spcBef>
                 <a:spcPts val="1600"/>
               </a:spcBef>
@@ -2990,7 +3790,7 @@
             <a:noAutofit/>
           </a:bodyPr>
           <a:lstStyle>
-            <a:lvl1pPr indent="-317500" lvl="0" marL="457200">
+            <a:lvl1pPr indent="-317500" lvl="0" marL="457200" rtl="0">
               <a:spcBef>
                 <a:spcPts val="0"/>
               </a:spcBef>
@@ -3001,7 +3801,7 @@
               <a:buChar char="●"/>
               <a:defRPr sz="1400"/>
             </a:lvl1pPr>
-            <a:lvl2pPr indent="-304800" lvl="1" marL="914400">
+            <a:lvl2pPr indent="-304800" lvl="1" marL="914400" rtl="0">
               <a:spcBef>
                 <a:spcPts val="1600"/>
               </a:spcBef>
@@ -3012,7 +3812,7 @@
               <a:buChar char="○"/>
               <a:defRPr sz="1200"/>
             </a:lvl2pPr>
-            <a:lvl3pPr indent="-304800" lvl="2" marL="1371600">
+            <a:lvl3pPr indent="-304800" lvl="2" marL="1371600" rtl="0">
               <a:spcBef>
                 <a:spcPts val="1600"/>
               </a:spcBef>
@@ -3023,7 +3823,7 @@
               <a:buChar char="■"/>
               <a:defRPr sz="1200"/>
             </a:lvl3pPr>
-            <a:lvl4pPr indent="-304800" lvl="3" marL="1828800">
+            <a:lvl4pPr indent="-304800" lvl="3" marL="1828800" rtl="0">
               <a:spcBef>
                 <a:spcPts val="1600"/>
               </a:spcBef>
@@ -3034,7 +3834,7 @@
               <a:buChar char="●"/>
               <a:defRPr sz="1200"/>
             </a:lvl4pPr>
-            <a:lvl5pPr indent="-304800" lvl="4" marL="2286000">
+            <a:lvl5pPr indent="-304800" lvl="4" marL="2286000" rtl="0">
               <a:spcBef>
                 <a:spcPts val="1600"/>
               </a:spcBef>
@@ -3045,7 +3845,7 @@
               <a:buChar char="○"/>
               <a:defRPr sz="1200"/>
             </a:lvl5pPr>
-            <a:lvl6pPr indent="-304800" lvl="5" marL="2743200">
+            <a:lvl6pPr indent="-304800" lvl="5" marL="2743200" rtl="0">
               <a:spcBef>
                 <a:spcPts val="1600"/>
               </a:spcBef>
@@ -3056,7 +3856,7 @@
               <a:buChar char="■"/>
               <a:defRPr sz="1200"/>
             </a:lvl6pPr>
-            <a:lvl7pPr indent="-304800" lvl="6" marL="3200400">
+            <a:lvl7pPr indent="-304800" lvl="6" marL="3200400" rtl="0">
               <a:spcBef>
                 <a:spcPts val="1600"/>
               </a:spcBef>
@@ -3067,7 +3867,7 @@
               <a:buChar char="●"/>
               <a:defRPr sz="1200"/>
             </a:lvl7pPr>
-            <a:lvl8pPr indent="-304800" lvl="7" marL="3657600">
+            <a:lvl8pPr indent="-304800" lvl="7" marL="3657600" rtl="0">
               <a:spcBef>
                 <a:spcPts val="1600"/>
               </a:spcBef>
@@ -3078,7 +3878,7 @@
               <a:buChar char="○"/>
               <a:defRPr sz="1200"/>
             </a:lvl8pPr>
-            <a:lvl9pPr indent="-304800" lvl="8" marL="4114800">
+            <a:lvl9pPr indent="-304800" lvl="8" marL="4114800" rtl="0">
               <a:spcBef>
                 <a:spcPts val="1600"/>
               </a:spcBef>
@@ -3115,39 +3915,39 @@
             <a:noAutofit/>
           </a:bodyPr>
           <a:lstStyle>
-            <a:lvl1pPr lvl="0">
+            <a:lvl1pPr lvl="0" rtl="0">
               <a:buNone/>
               <a:defRPr/>
             </a:lvl1pPr>
-            <a:lvl2pPr lvl="1">
+            <a:lvl2pPr lvl="1" rtl="0">
               <a:buNone/>
               <a:defRPr/>
             </a:lvl2pPr>
-            <a:lvl3pPr lvl="2">
+            <a:lvl3pPr lvl="2" rtl="0">
               <a:buNone/>
               <a:defRPr/>
             </a:lvl3pPr>
-            <a:lvl4pPr lvl="3">
+            <a:lvl4pPr lvl="3" rtl="0">
               <a:buNone/>
               <a:defRPr/>
             </a:lvl4pPr>
-            <a:lvl5pPr lvl="4">
+            <a:lvl5pPr lvl="4" rtl="0">
               <a:buNone/>
               <a:defRPr/>
             </a:lvl5pPr>
-            <a:lvl6pPr lvl="5">
+            <a:lvl6pPr lvl="5" rtl="0">
               <a:buNone/>
               <a:defRPr/>
             </a:lvl6pPr>
-            <a:lvl7pPr lvl="6">
+            <a:lvl7pPr lvl="6" rtl="0">
               <a:buNone/>
               <a:defRPr/>
             </a:lvl7pPr>
-            <a:lvl8pPr lvl="7">
+            <a:lvl8pPr lvl="7" rtl="0">
               <a:buNone/>
               <a:defRPr/>
             </a:lvl8pPr>
-            <a:lvl9pPr lvl="8">
+            <a:lvl9pPr lvl="8" rtl="0">
               <a:buNone/>
               <a:defRPr/>
             </a:lvl9pPr>
@@ -3217,7 +4017,7 @@
             <a:noAutofit/>
           </a:bodyPr>
           <a:lstStyle>
-            <a:lvl1pPr lvl="0">
+            <a:lvl1pPr lvl="0" rtl="0">
               <a:spcBef>
                 <a:spcPts val="0"/>
               </a:spcBef>
@@ -3228,7 +4028,7 @@
               <a:buNone/>
               <a:defRPr/>
             </a:lvl1pPr>
-            <a:lvl2pPr lvl="1">
+            <a:lvl2pPr lvl="1" rtl="0">
               <a:spcBef>
                 <a:spcPts val="0"/>
               </a:spcBef>
@@ -3239,7 +4039,7 @@
               <a:buNone/>
               <a:defRPr/>
             </a:lvl2pPr>
-            <a:lvl3pPr lvl="2">
+            <a:lvl3pPr lvl="2" rtl="0">
               <a:spcBef>
                 <a:spcPts val="0"/>
               </a:spcBef>
@@ -3250,7 +4050,7 @@
               <a:buNone/>
               <a:defRPr/>
             </a:lvl3pPr>
-            <a:lvl4pPr lvl="3">
+            <a:lvl4pPr lvl="3" rtl="0">
               <a:spcBef>
                 <a:spcPts val="0"/>
               </a:spcBef>
@@ -3261,7 +4061,7 @@
               <a:buNone/>
               <a:defRPr/>
             </a:lvl4pPr>
-            <a:lvl5pPr lvl="4">
+            <a:lvl5pPr lvl="4" rtl="0">
               <a:spcBef>
                 <a:spcPts val="0"/>
               </a:spcBef>
@@ -3272,7 +4072,7 @@
               <a:buNone/>
               <a:defRPr/>
             </a:lvl5pPr>
-            <a:lvl6pPr lvl="5">
+            <a:lvl6pPr lvl="5" rtl="0">
               <a:spcBef>
                 <a:spcPts val="0"/>
               </a:spcBef>
@@ -3283,7 +4083,7 @@
               <a:buNone/>
               <a:defRPr/>
             </a:lvl6pPr>
-            <a:lvl7pPr lvl="6">
+            <a:lvl7pPr lvl="6" rtl="0">
               <a:spcBef>
                 <a:spcPts val="0"/>
               </a:spcBef>
@@ -3294,7 +4094,7 @@
               <a:buNone/>
               <a:defRPr/>
             </a:lvl7pPr>
-            <a:lvl8pPr lvl="7">
+            <a:lvl8pPr lvl="7" rtl="0">
               <a:spcBef>
                 <a:spcPts val="0"/>
               </a:spcBef>
@@ -3305,7 +4105,7 @@
               <a:buNone/>
               <a:defRPr/>
             </a:lvl8pPr>
-            <a:lvl9pPr lvl="8">
+            <a:lvl9pPr lvl="8" rtl="0">
               <a:spcBef>
                 <a:spcPts val="0"/>
               </a:spcBef>
@@ -3342,39 +4142,39 @@
             <a:noAutofit/>
           </a:bodyPr>
           <a:lstStyle>
-            <a:lvl1pPr lvl="0">
+            <a:lvl1pPr lvl="0" rtl="0">
               <a:buNone/>
               <a:defRPr/>
             </a:lvl1pPr>
-            <a:lvl2pPr lvl="1">
+            <a:lvl2pPr lvl="1" rtl="0">
               <a:buNone/>
               <a:defRPr/>
             </a:lvl2pPr>
-            <a:lvl3pPr lvl="2">
+            <a:lvl3pPr lvl="2" rtl="0">
               <a:buNone/>
               <a:defRPr/>
             </a:lvl3pPr>
-            <a:lvl4pPr lvl="3">
+            <a:lvl4pPr lvl="3" rtl="0">
               <a:buNone/>
               <a:defRPr/>
             </a:lvl4pPr>
-            <a:lvl5pPr lvl="4">
+            <a:lvl5pPr lvl="4" rtl="0">
               <a:buNone/>
               <a:defRPr/>
             </a:lvl5pPr>
-            <a:lvl6pPr lvl="5">
+            <a:lvl6pPr lvl="5" rtl="0">
               <a:buNone/>
               <a:defRPr/>
             </a:lvl6pPr>
-            <a:lvl7pPr lvl="6">
+            <a:lvl7pPr lvl="6" rtl="0">
               <a:buNone/>
               <a:defRPr/>
             </a:lvl7pPr>
-            <a:lvl8pPr lvl="7">
+            <a:lvl8pPr lvl="7" rtl="0">
               <a:buNone/>
               <a:defRPr/>
             </a:lvl8pPr>
-            <a:lvl9pPr lvl="8">
+            <a:lvl9pPr lvl="8" rtl="0">
               <a:buNone/>
               <a:defRPr/>
             </a:lvl9pPr>
@@ -3444,7 +4244,7 @@
             <a:noAutofit/>
           </a:bodyPr>
           <a:lstStyle>
-            <a:lvl1pPr lvl="0">
+            <a:lvl1pPr lvl="0" rtl="0">
               <a:spcBef>
                 <a:spcPts val="0"/>
               </a:spcBef>
@@ -3455,7 +4255,7 @@
               <a:buNone/>
               <a:defRPr sz="2400"/>
             </a:lvl1pPr>
-            <a:lvl2pPr lvl="1">
+            <a:lvl2pPr lvl="1" rtl="0">
               <a:spcBef>
                 <a:spcPts val="0"/>
               </a:spcBef>
@@ -3466,7 +4266,7 @@
               <a:buNone/>
               <a:defRPr sz="2400"/>
             </a:lvl2pPr>
-            <a:lvl3pPr lvl="2">
+            <a:lvl3pPr lvl="2" rtl="0">
               <a:spcBef>
                 <a:spcPts val="0"/>
               </a:spcBef>
@@ -3477,7 +4277,7 @@
               <a:buNone/>
               <a:defRPr sz="2400"/>
             </a:lvl3pPr>
-            <a:lvl4pPr lvl="3">
+            <a:lvl4pPr lvl="3" rtl="0">
               <a:spcBef>
                 <a:spcPts val="0"/>
               </a:spcBef>
@@ -3488,7 +4288,7 @@
               <a:buNone/>
               <a:defRPr sz="2400"/>
             </a:lvl4pPr>
-            <a:lvl5pPr lvl="4">
+            <a:lvl5pPr lvl="4" rtl="0">
               <a:spcBef>
                 <a:spcPts val="0"/>
               </a:spcBef>
@@ -3499,7 +4299,7 @@
               <a:buNone/>
               <a:defRPr sz="2400"/>
             </a:lvl5pPr>
-            <a:lvl6pPr lvl="5">
+            <a:lvl6pPr lvl="5" rtl="0">
               <a:spcBef>
                 <a:spcPts val="0"/>
               </a:spcBef>
@@ -3510,7 +4310,7 @@
               <a:buNone/>
               <a:defRPr sz="2400"/>
             </a:lvl6pPr>
-            <a:lvl7pPr lvl="6">
+            <a:lvl7pPr lvl="6" rtl="0">
               <a:spcBef>
                 <a:spcPts val="0"/>
               </a:spcBef>
@@ -3521,7 +4321,7 @@
               <a:buNone/>
               <a:defRPr sz="2400"/>
             </a:lvl7pPr>
-            <a:lvl8pPr lvl="7">
+            <a:lvl8pPr lvl="7" rtl="0">
               <a:spcBef>
                 <a:spcPts val="0"/>
               </a:spcBef>
@@ -3532,7 +4332,7 @@
               <a:buNone/>
               <a:defRPr sz="2400"/>
             </a:lvl8pPr>
-            <a:lvl9pPr lvl="8">
+            <a:lvl9pPr lvl="8" rtl="0">
               <a:spcBef>
                 <a:spcPts val="0"/>
               </a:spcBef>
@@ -3569,7 +4369,7 @@
             <a:noAutofit/>
           </a:bodyPr>
           <a:lstStyle>
-            <a:lvl1pPr indent="-304800" lvl="0" marL="457200">
+            <a:lvl1pPr indent="-304800" lvl="0" marL="457200" rtl="0">
               <a:spcBef>
                 <a:spcPts val="0"/>
               </a:spcBef>
@@ -3580,7 +4380,7 @@
               <a:buChar char="●"/>
               <a:defRPr sz="1200"/>
             </a:lvl1pPr>
-            <a:lvl2pPr indent="-304800" lvl="1" marL="914400">
+            <a:lvl2pPr indent="-304800" lvl="1" marL="914400" rtl="0">
               <a:spcBef>
                 <a:spcPts val="1600"/>
               </a:spcBef>
@@ -3591,7 +4391,7 @@
               <a:buChar char="○"/>
               <a:defRPr sz="1200"/>
             </a:lvl2pPr>
-            <a:lvl3pPr indent="-304800" lvl="2" marL="1371600">
+            <a:lvl3pPr indent="-304800" lvl="2" marL="1371600" rtl="0">
               <a:spcBef>
                 <a:spcPts val="1600"/>
               </a:spcBef>
@@ -3602,7 +4402,7 @@
               <a:buChar char="■"/>
               <a:defRPr sz="1200"/>
             </a:lvl3pPr>
-            <a:lvl4pPr indent="-304800" lvl="3" marL="1828800">
+            <a:lvl4pPr indent="-304800" lvl="3" marL="1828800" rtl="0">
               <a:spcBef>
                 <a:spcPts val="1600"/>
               </a:spcBef>
@@ -3613,7 +4413,7 @@
               <a:buChar char="●"/>
               <a:defRPr sz="1200"/>
             </a:lvl4pPr>
-            <a:lvl5pPr indent="-304800" lvl="4" marL="2286000">
+            <a:lvl5pPr indent="-304800" lvl="4" marL="2286000" rtl="0">
               <a:spcBef>
                 <a:spcPts val="1600"/>
               </a:spcBef>
@@ -3624,7 +4424,7 @@
               <a:buChar char="○"/>
               <a:defRPr sz="1200"/>
             </a:lvl5pPr>
-            <a:lvl6pPr indent="-304800" lvl="5" marL="2743200">
+            <a:lvl6pPr indent="-304800" lvl="5" marL="2743200" rtl="0">
               <a:spcBef>
                 <a:spcPts val="1600"/>
               </a:spcBef>
@@ -3635,7 +4435,7 @@
               <a:buChar char="■"/>
               <a:defRPr sz="1200"/>
             </a:lvl6pPr>
-            <a:lvl7pPr indent="-304800" lvl="6" marL="3200400">
+            <a:lvl7pPr indent="-304800" lvl="6" marL="3200400" rtl="0">
               <a:spcBef>
                 <a:spcPts val="1600"/>
               </a:spcBef>
@@ -3646,7 +4446,7 @@
               <a:buChar char="●"/>
               <a:defRPr sz="1200"/>
             </a:lvl7pPr>
-            <a:lvl8pPr indent="-304800" lvl="7" marL="3657600">
+            <a:lvl8pPr indent="-304800" lvl="7" marL="3657600" rtl="0">
               <a:spcBef>
                 <a:spcPts val="1600"/>
               </a:spcBef>
@@ -3657,7 +4457,7 @@
               <a:buChar char="○"/>
               <a:defRPr sz="1200"/>
             </a:lvl8pPr>
-            <a:lvl9pPr indent="-304800" lvl="8" marL="4114800">
+            <a:lvl9pPr indent="-304800" lvl="8" marL="4114800" rtl="0">
               <a:spcBef>
                 <a:spcPts val="1600"/>
               </a:spcBef>
@@ -3694,39 +4494,39 @@
             <a:noAutofit/>
           </a:bodyPr>
           <a:lstStyle>
-            <a:lvl1pPr lvl="0">
+            <a:lvl1pPr lvl="0" rtl="0">
               <a:buNone/>
               <a:defRPr/>
             </a:lvl1pPr>
-            <a:lvl2pPr lvl="1">
+            <a:lvl2pPr lvl="1" rtl="0">
               <a:buNone/>
               <a:defRPr/>
             </a:lvl2pPr>
-            <a:lvl3pPr lvl="2">
+            <a:lvl3pPr lvl="2" rtl="0">
               <a:buNone/>
               <a:defRPr/>
             </a:lvl3pPr>
-            <a:lvl4pPr lvl="3">
+            <a:lvl4pPr lvl="3" rtl="0">
               <a:buNone/>
               <a:defRPr/>
             </a:lvl4pPr>
-            <a:lvl5pPr lvl="4">
+            <a:lvl5pPr lvl="4" rtl="0">
               <a:buNone/>
               <a:defRPr/>
             </a:lvl5pPr>
-            <a:lvl6pPr lvl="5">
+            <a:lvl6pPr lvl="5" rtl="0">
               <a:buNone/>
               <a:defRPr/>
             </a:lvl6pPr>
-            <a:lvl7pPr lvl="6">
+            <a:lvl7pPr lvl="6" rtl="0">
               <a:buNone/>
               <a:defRPr/>
             </a:lvl7pPr>
-            <a:lvl8pPr lvl="7">
+            <a:lvl8pPr lvl="7" rtl="0">
               <a:buNone/>
               <a:defRPr/>
             </a:lvl8pPr>
-            <a:lvl9pPr lvl="8">
+            <a:lvl9pPr lvl="8" rtl="0">
               <a:buNone/>
               <a:defRPr/>
             </a:lvl9pPr>
@@ -3796,7 +4596,7 @@
             <a:noAutofit/>
           </a:bodyPr>
           <a:lstStyle>
-            <a:lvl1pPr lvl="0">
+            <a:lvl1pPr lvl="0" rtl="0">
               <a:spcBef>
                 <a:spcPts val="0"/>
               </a:spcBef>
@@ -3807,7 +4607,7 @@
               <a:buNone/>
               <a:defRPr sz="4800"/>
             </a:lvl1pPr>
-            <a:lvl2pPr lvl="1">
+            <a:lvl2pPr lvl="1" rtl="0">
               <a:spcBef>
                 <a:spcPts val="0"/>
               </a:spcBef>
@@ -3818,7 +4618,7 @@
               <a:buNone/>
               <a:defRPr sz="4800"/>
             </a:lvl2pPr>
-            <a:lvl3pPr lvl="2">
+            <a:lvl3pPr lvl="2" rtl="0">
               <a:spcBef>
                 <a:spcPts val="0"/>
               </a:spcBef>
@@ -3829,7 +4629,7 @@
               <a:buNone/>
               <a:defRPr sz="4800"/>
             </a:lvl3pPr>
-            <a:lvl4pPr lvl="3">
+            <a:lvl4pPr lvl="3" rtl="0">
               <a:spcBef>
                 <a:spcPts val="0"/>
               </a:spcBef>
@@ -3840,7 +4640,7 @@
               <a:buNone/>
               <a:defRPr sz="4800"/>
             </a:lvl4pPr>
-            <a:lvl5pPr lvl="4">
+            <a:lvl5pPr lvl="4" rtl="0">
               <a:spcBef>
                 <a:spcPts val="0"/>
               </a:spcBef>
@@ -3851,7 +4651,7 @@
               <a:buNone/>
               <a:defRPr sz="4800"/>
             </a:lvl5pPr>
-            <a:lvl6pPr lvl="5">
+            <a:lvl6pPr lvl="5" rtl="0">
               <a:spcBef>
                 <a:spcPts val="0"/>
               </a:spcBef>
@@ -3862,7 +4662,7 @@
               <a:buNone/>
               <a:defRPr sz="4800"/>
             </a:lvl6pPr>
-            <a:lvl7pPr lvl="6">
+            <a:lvl7pPr lvl="6" rtl="0">
               <a:spcBef>
                 <a:spcPts val="0"/>
               </a:spcBef>
@@ -3873,7 +4673,7 @@
               <a:buNone/>
               <a:defRPr sz="4800"/>
             </a:lvl7pPr>
-            <a:lvl8pPr lvl="7">
+            <a:lvl8pPr lvl="7" rtl="0">
               <a:spcBef>
                 <a:spcPts val="0"/>
               </a:spcBef>
@@ -3884,7 +4684,7 @@
               <a:buNone/>
               <a:defRPr sz="4800"/>
             </a:lvl8pPr>
-            <a:lvl9pPr lvl="8">
+            <a:lvl9pPr lvl="8" rtl="0">
               <a:spcBef>
                 <a:spcPts val="0"/>
               </a:spcBef>
@@ -3921,39 +4721,39 @@
             <a:noAutofit/>
           </a:bodyPr>
           <a:lstStyle>
-            <a:lvl1pPr lvl="0">
+            <a:lvl1pPr lvl="0" rtl="0">
               <a:buNone/>
               <a:defRPr/>
             </a:lvl1pPr>
-            <a:lvl2pPr lvl="1">
+            <a:lvl2pPr lvl="1" rtl="0">
               <a:buNone/>
               <a:defRPr/>
             </a:lvl2pPr>
-            <a:lvl3pPr lvl="2">
+            <a:lvl3pPr lvl="2" rtl="0">
               <a:buNone/>
               <a:defRPr/>
             </a:lvl3pPr>
-            <a:lvl4pPr lvl="3">
+            <a:lvl4pPr lvl="3" rtl="0">
               <a:buNone/>
               <a:defRPr/>
             </a:lvl4pPr>
-            <a:lvl5pPr lvl="4">
+            <a:lvl5pPr lvl="4" rtl="0">
               <a:buNone/>
               <a:defRPr/>
             </a:lvl5pPr>
-            <a:lvl6pPr lvl="5">
+            <a:lvl6pPr lvl="5" rtl="0">
               <a:buNone/>
               <a:defRPr/>
             </a:lvl6pPr>
-            <a:lvl7pPr lvl="6">
+            <a:lvl7pPr lvl="6" rtl="0">
               <a:buNone/>
               <a:defRPr/>
             </a:lvl7pPr>
-            <a:lvl8pPr lvl="7">
+            <a:lvl8pPr lvl="7" rtl="0">
               <a:buNone/>
               <a:defRPr/>
             </a:lvl8pPr>
-            <a:lvl9pPr lvl="8">
+            <a:lvl9pPr lvl="8" rtl="0">
               <a:buNone/>
               <a:defRPr/>
             </a:lvl9pPr>
@@ -4066,7 +4866,7 @@
             <a:noAutofit/>
           </a:bodyPr>
           <a:lstStyle>
-            <a:lvl1pPr lvl="0" algn="ctr">
+            <a:lvl1pPr lvl="0" rtl="0" algn="ctr">
               <a:spcBef>
                 <a:spcPts val="0"/>
               </a:spcBef>
@@ -4077,7 +4877,7 @@
               <a:buNone/>
               <a:defRPr sz="4200"/>
             </a:lvl1pPr>
-            <a:lvl2pPr lvl="1" algn="ctr">
+            <a:lvl2pPr lvl="1" rtl="0" algn="ctr">
               <a:spcBef>
                 <a:spcPts val="0"/>
               </a:spcBef>
@@ -4088,7 +4888,7 @@
               <a:buNone/>
               <a:defRPr sz="4200"/>
             </a:lvl2pPr>
-            <a:lvl3pPr lvl="2" algn="ctr">
+            <a:lvl3pPr lvl="2" rtl="0" algn="ctr">
               <a:spcBef>
                 <a:spcPts val="0"/>
               </a:spcBef>
@@ -4099,7 +4899,7 @@
               <a:buNone/>
               <a:defRPr sz="4200"/>
             </a:lvl3pPr>
-            <a:lvl4pPr lvl="3" algn="ctr">
+            <a:lvl4pPr lvl="3" rtl="0" algn="ctr">
               <a:spcBef>
                 <a:spcPts val="0"/>
               </a:spcBef>
@@ -4110,7 +4910,7 @@
               <a:buNone/>
               <a:defRPr sz="4200"/>
             </a:lvl4pPr>
-            <a:lvl5pPr lvl="4" algn="ctr">
+            <a:lvl5pPr lvl="4" rtl="0" algn="ctr">
               <a:spcBef>
                 <a:spcPts val="0"/>
               </a:spcBef>
@@ -4121,7 +4921,7 @@
               <a:buNone/>
               <a:defRPr sz="4200"/>
             </a:lvl5pPr>
-            <a:lvl6pPr lvl="5" algn="ctr">
+            <a:lvl6pPr lvl="5" rtl="0" algn="ctr">
               <a:spcBef>
                 <a:spcPts val="0"/>
               </a:spcBef>
@@ -4132,7 +4932,7 @@
               <a:buNone/>
               <a:defRPr sz="4200"/>
             </a:lvl6pPr>
-            <a:lvl7pPr lvl="6" algn="ctr">
+            <a:lvl7pPr lvl="6" rtl="0" algn="ctr">
               <a:spcBef>
                 <a:spcPts val="0"/>
               </a:spcBef>
@@ -4143,7 +4943,7 @@
               <a:buNone/>
               <a:defRPr sz="4200"/>
             </a:lvl7pPr>
-            <a:lvl8pPr lvl="7" algn="ctr">
+            <a:lvl8pPr lvl="7" rtl="0" algn="ctr">
               <a:spcBef>
                 <a:spcPts val="0"/>
               </a:spcBef>
@@ -4154,7 +4954,7 @@
               <a:buNone/>
               <a:defRPr sz="4200"/>
             </a:lvl8pPr>
-            <a:lvl9pPr lvl="8" algn="ctr">
+            <a:lvl9pPr lvl="8" rtl="0" algn="ctr">
               <a:spcBef>
                 <a:spcPts val="0"/>
               </a:spcBef>
@@ -4191,7 +4991,7 @@
             <a:noAutofit/>
           </a:bodyPr>
           <a:lstStyle>
-            <a:lvl1pPr lvl="0" algn="ctr">
+            <a:lvl1pPr lvl="0" rtl="0" algn="ctr">
               <a:lnSpc>
                 <a:spcPct val="100000"/>
               </a:lnSpc>
@@ -4205,7 +5005,7 @@
               <a:buNone/>
               <a:defRPr sz="2100"/>
             </a:lvl1pPr>
-            <a:lvl2pPr lvl="1" algn="ctr">
+            <a:lvl2pPr lvl="1" rtl="0" algn="ctr">
               <a:lnSpc>
                 <a:spcPct val="100000"/>
               </a:lnSpc>
@@ -4219,7 +5019,7 @@
               <a:buNone/>
               <a:defRPr sz="2100"/>
             </a:lvl2pPr>
-            <a:lvl3pPr lvl="2" algn="ctr">
+            <a:lvl3pPr lvl="2" rtl="0" algn="ctr">
               <a:lnSpc>
                 <a:spcPct val="100000"/>
               </a:lnSpc>
@@ -4233,7 +5033,7 @@
               <a:buNone/>
               <a:defRPr sz="2100"/>
             </a:lvl3pPr>
-            <a:lvl4pPr lvl="3" algn="ctr">
+            <a:lvl4pPr lvl="3" rtl="0" algn="ctr">
               <a:lnSpc>
                 <a:spcPct val="100000"/>
               </a:lnSpc>
@@ -4247,7 +5047,7 @@
               <a:buNone/>
               <a:defRPr sz="2100"/>
             </a:lvl4pPr>
-            <a:lvl5pPr lvl="4" algn="ctr">
+            <a:lvl5pPr lvl="4" rtl="0" algn="ctr">
               <a:lnSpc>
                 <a:spcPct val="100000"/>
               </a:lnSpc>
@@ -4261,7 +5061,7 @@
               <a:buNone/>
               <a:defRPr sz="2100"/>
             </a:lvl5pPr>
-            <a:lvl6pPr lvl="5" algn="ctr">
+            <a:lvl6pPr lvl="5" rtl="0" algn="ctr">
               <a:lnSpc>
                 <a:spcPct val="100000"/>
               </a:lnSpc>
@@ -4275,7 +5075,7 @@
               <a:buNone/>
               <a:defRPr sz="2100"/>
             </a:lvl6pPr>
-            <a:lvl7pPr lvl="6" algn="ctr">
+            <a:lvl7pPr lvl="6" rtl="0" algn="ctr">
               <a:lnSpc>
                 <a:spcPct val="100000"/>
               </a:lnSpc>
@@ -4289,7 +5089,7 @@
               <a:buNone/>
               <a:defRPr sz="2100"/>
             </a:lvl7pPr>
-            <a:lvl8pPr lvl="7" algn="ctr">
+            <a:lvl8pPr lvl="7" rtl="0" algn="ctr">
               <a:lnSpc>
                 <a:spcPct val="100000"/>
               </a:lnSpc>
@@ -4303,7 +5103,7 @@
               <a:buNone/>
               <a:defRPr sz="2100"/>
             </a:lvl8pPr>
-            <a:lvl9pPr lvl="8" algn="ctr">
+            <a:lvl9pPr lvl="8" rtl="0" algn="ctr">
               <a:lnSpc>
                 <a:spcPct val="100000"/>
               </a:lnSpc>
@@ -4343,7 +5143,7 @@
             <a:noAutofit/>
           </a:bodyPr>
           <a:lstStyle>
-            <a:lvl1pPr indent="-342900" lvl="0" marL="457200">
+            <a:lvl1pPr indent="-342900" lvl="0" marL="457200" rtl="0">
               <a:spcBef>
                 <a:spcPts val="0"/>
               </a:spcBef>
@@ -4361,7 +5161,7 @@
                 </a:solidFill>
               </a:defRPr>
             </a:lvl1pPr>
-            <a:lvl2pPr indent="-317500" lvl="1" marL="914400">
+            <a:lvl2pPr indent="-317500" lvl="1" marL="914400" rtl="0">
               <a:spcBef>
                 <a:spcPts val="1600"/>
               </a:spcBef>
@@ -4379,7 +5179,7 @@
                 </a:solidFill>
               </a:defRPr>
             </a:lvl2pPr>
-            <a:lvl3pPr indent="-317500" lvl="2" marL="1371600">
+            <a:lvl3pPr indent="-317500" lvl="2" marL="1371600" rtl="0">
               <a:spcBef>
                 <a:spcPts val="1600"/>
               </a:spcBef>
@@ -4397,7 +5197,7 @@
                 </a:solidFill>
               </a:defRPr>
             </a:lvl3pPr>
-            <a:lvl4pPr indent="-317500" lvl="3" marL="1828800">
+            <a:lvl4pPr indent="-317500" lvl="3" marL="1828800" rtl="0">
               <a:spcBef>
                 <a:spcPts val="1600"/>
               </a:spcBef>
@@ -4415,7 +5215,7 @@
                 </a:solidFill>
               </a:defRPr>
             </a:lvl4pPr>
-            <a:lvl5pPr indent="-317500" lvl="4" marL="2286000">
+            <a:lvl5pPr indent="-317500" lvl="4" marL="2286000" rtl="0">
               <a:spcBef>
                 <a:spcPts val="1600"/>
               </a:spcBef>
@@ -4433,7 +5233,7 @@
                 </a:solidFill>
               </a:defRPr>
             </a:lvl5pPr>
-            <a:lvl6pPr indent="-317500" lvl="5" marL="2743200">
+            <a:lvl6pPr indent="-317500" lvl="5" marL="2743200" rtl="0">
               <a:spcBef>
                 <a:spcPts val="1600"/>
               </a:spcBef>
@@ -4451,7 +5251,7 @@
                 </a:solidFill>
               </a:defRPr>
             </a:lvl6pPr>
-            <a:lvl7pPr indent="-317500" lvl="6" marL="3200400">
+            <a:lvl7pPr indent="-317500" lvl="6" marL="3200400" rtl="0">
               <a:spcBef>
                 <a:spcPts val="1600"/>
               </a:spcBef>
@@ -4469,7 +5269,7 @@
                 </a:solidFill>
               </a:defRPr>
             </a:lvl7pPr>
-            <a:lvl8pPr indent="-317500" lvl="7" marL="3657600">
+            <a:lvl8pPr indent="-317500" lvl="7" marL="3657600" rtl="0">
               <a:spcBef>
                 <a:spcPts val="1600"/>
               </a:spcBef>
@@ -4487,7 +5287,7 @@
                 </a:solidFill>
               </a:defRPr>
             </a:lvl8pPr>
-            <a:lvl9pPr indent="-317500" lvl="8" marL="4114800">
+            <a:lvl9pPr indent="-317500" lvl="8" marL="4114800" rtl="0">
               <a:spcBef>
                 <a:spcPts val="1600"/>
               </a:spcBef>
@@ -4531,39 +5331,39 @@
             <a:noAutofit/>
           </a:bodyPr>
           <a:lstStyle>
-            <a:lvl1pPr lvl="0">
+            <a:lvl1pPr lvl="0" rtl="0">
               <a:buNone/>
               <a:defRPr/>
             </a:lvl1pPr>
-            <a:lvl2pPr lvl="1">
+            <a:lvl2pPr lvl="1" rtl="0">
               <a:buNone/>
               <a:defRPr/>
             </a:lvl2pPr>
-            <a:lvl3pPr lvl="2">
+            <a:lvl3pPr lvl="2" rtl="0">
               <a:buNone/>
               <a:defRPr/>
             </a:lvl3pPr>
-            <a:lvl4pPr lvl="3">
+            <a:lvl4pPr lvl="3" rtl="0">
               <a:buNone/>
               <a:defRPr/>
             </a:lvl4pPr>
-            <a:lvl5pPr lvl="4">
+            <a:lvl5pPr lvl="4" rtl="0">
               <a:buNone/>
               <a:defRPr/>
             </a:lvl5pPr>
-            <a:lvl6pPr lvl="5">
+            <a:lvl6pPr lvl="5" rtl="0">
               <a:buNone/>
               <a:defRPr/>
             </a:lvl6pPr>
-            <a:lvl7pPr lvl="6">
+            <a:lvl7pPr lvl="6" rtl="0">
               <a:buNone/>
               <a:defRPr/>
             </a:lvl7pPr>
-            <a:lvl8pPr lvl="7">
+            <a:lvl8pPr lvl="7" rtl="0">
               <a:buNone/>
               <a:defRPr/>
             </a:lvl8pPr>
-            <a:lvl9pPr lvl="8">
+            <a:lvl9pPr lvl="8" rtl="0">
               <a:buNone/>
               <a:defRPr/>
             </a:lvl9pPr>
@@ -4633,7 +5433,7 @@
             <a:noAutofit/>
           </a:bodyPr>
           <a:lstStyle>
-            <a:lvl1pPr indent="-228600" lvl="0" marL="457200">
+            <a:lvl1pPr indent="-228600" lvl="0" marL="457200" rtl="0">
               <a:lnSpc>
                 <a:spcPct val="100000"/>
               </a:lnSpc>
@@ -4673,39 +5473,39 @@
             <a:noAutofit/>
           </a:bodyPr>
           <a:lstStyle>
-            <a:lvl1pPr lvl="0">
+            <a:lvl1pPr lvl="0" rtl="0">
               <a:buNone/>
               <a:defRPr/>
             </a:lvl1pPr>
-            <a:lvl2pPr lvl="1">
+            <a:lvl2pPr lvl="1" rtl="0">
               <a:buNone/>
               <a:defRPr/>
             </a:lvl2pPr>
-            <a:lvl3pPr lvl="2">
+            <a:lvl3pPr lvl="2" rtl="0">
               <a:buNone/>
               <a:defRPr/>
             </a:lvl3pPr>
-            <a:lvl4pPr lvl="3">
+            <a:lvl4pPr lvl="3" rtl="0">
               <a:buNone/>
               <a:defRPr/>
             </a:lvl4pPr>
-            <a:lvl5pPr lvl="4">
+            <a:lvl5pPr lvl="4" rtl="0">
               <a:buNone/>
               <a:defRPr/>
             </a:lvl5pPr>
-            <a:lvl6pPr lvl="5">
+            <a:lvl6pPr lvl="5" rtl="0">
               <a:buNone/>
               <a:defRPr/>
             </a:lvl6pPr>
-            <a:lvl7pPr lvl="6">
+            <a:lvl7pPr lvl="6" rtl="0">
               <a:buNone/>
               <a:defRPr/>
             </a:lvl7pPr>
-            <a:lvl8pPr lvl="7">
+            <a:lvl8pPr lvl="7" rtl="0">
               <a:buNone/>
               <a:defRPr/>
             </a:lvl8pPr>
-            <a:lvl9pPr lvl="8">
+            <a:lvl9pPr lvl="8" rtl="0">
               <a:buNone/>
               <a:defRPr/>
             </a:lvl9pPr>
@@ -4786,7 +5586,7 @@
             <a:noAutofit/>
           </a:bodyPr>
           <a:lstStyle>
-            <a:lvl1pPr lvl="0">
+            <a:lvl1pPr lvl="0" rtl="0">
               <a:spcBef>
                 <a:spcPts val="0"/>
               </a:spcBef>
@@ -4804,7 +5604,7 @@
                 </a:solidFill>
               </a:defRPr>
             </a:lvl1pPr>
-            <a:lvl2pPr lvl="1">
+            <a:lvl2pPr lvl="1" rtl="0">
               <a:spcBef>
                 <a:spcPts val="0"/>
               </a:spcBef>
@@ -4822,7 +5622,7 @@
                 </a:solidFill>
               </a:defRPr>
             </a:lvl2pPr>
-            <a:lvl3pPr lvl="2">
+            <a:lvl3pPr lvl="2" rtl="0">
               <a:spcBef>
                 <a:spcPts val="0"/>
               </a:spcBef>
@@ -4840,7 +5640,7 @@
                 </a:solidFill>
               </a:defRPr>
             </a:lvl3pPr>
-            <a:lvl4pPr lvl="3">
+            <a:lvl4pPr lvl="3" rtl="0">
               <a:spcBef>
                 <a:spcPts val="0"/>
               </a:spcBef>
@@ -4858,7 +5658,7 @@
                 </a:solidFill>
               </a:defRPr>
             </a:lvl4pPr>
-            <a:lvl5pPr lvl="4">
+            <a:lvl5pPr lvl="4" rtl="0">
               <a:spcBef>
                 <a:spcPts val="0"/>
               </a:spcBef>
@@ -4876,7 +5676,7 @@
                 </a:solidFill>
               </a:defRPr>
             </a:lvl5pPr>
-            <a:lvl6pPr lvl="5">
+            <a:lvl6pPr lvl="5" rtl="0">
               <a:spcBef>
                 <a:spcPts val="0"/>
               </a:spcBef>
@@ -4894,7 +5694,7 @@
                 </a:solidFill>
               </a:defRPr>
             </a:lvl6pPr>
-            <a:lvl7pPr lvl="6">
+            <a:lvl7pPr lvl="6" rtl="0">
               <a:spcBef>
                 <a:spcPts val="0"/>
               </a:spcBef>
@@ -4912,7 +5712,7 @@
                 </a:solidFill>
               </a:defRPr>
             </a:lvl7pPr>
-            <a:lvl8pPr lvl="7">
+            <a:lvl8pPr lvl="7" rtl="0">
               <a:spcBef>
                 <a:spcPts val="0"/>
               </a:spcBef>
@@ -4930,7 +5730,7 @@
                 </a:solidFill>
               </a:defRPr>
             </a:lvl8pPr>
-            <a:lvl9pPr lvl="8">
+            <a:lvl9pPr lvl="8" rtl="0">
               <a:spcBef>
                 <a:spcPts val="0"/>
               </a:spcBef>
@@ -4978,7 +5778,7 @@
             <a:noAutofit/>
           </a:bodyPr>
           <a:lstStyle>
-            <a:lvl1pPr indent="-342900" lvl="0" marL="457200">
+            <a:lvl1pPr indent="-342900" lvl="0" marL="457200" rtl="0">
               <a:lnSpc>
                 <a:spcPct val="115000"/>
               </a:lnSpc>
@@ -4999,7 +5799,7 @@
                 </a:solidFill>
               </a:defRPr>
             </a:lvl1pPr>
-            <a:lvl2pPr indent="-317500" lvl="1" marL="914400">
+            <a:lvl2pPr indent="-317500" lvl="1" marL="914400" rtl="0">
               <a:lnSpc>
                 <a:spcPct val="115000"/>
               </a:lnSpc>
@@ -5020,7 +5820,7 @@
                 </a:solidFill>
               </a:defRPr>
             </a:lvl2pPr>
-            <a:lvl3pPr indent="-317500" lvl="2" marL="1371600">
+            <a:lvl3pPr indent="-317500" lvl="2" marL="1371600" rtl="0">
               <a:lnSpc>
                 <a:spcPct val="115000"/>
               </a:lnSpc>
@@ -5041,7 +5841,7 @@
                 </a:solidFill>
               </a:defRPr>
             </a:lvl3pPr>
-            <a:lvl4pPr indent="-317500" lvl="3" marL="1828800">
+            <a:lvl4pPr indent="-317500" lvl="3" marL="1828800" rtl="0">
               <a:lnSpc>
                 <a:spcPct val="115000"/>
               </a:lnSpc>
@@ -5062,7 +5862,7 @@
                 </a:solidFill>
               </a:defRPr>
             </a:lvl4pPr>
-            <a:lvl5pPr indent="-317500" lvl="4" marL="2286000">
+            <a:lvl5pPr indent="-317500" lvl="4" marL="2286000" rtl="0">
               <a:lnSpc>
                 <a:spcPct val="115000"/>
               </a:lnSpc>
@@ -5083,7 +5883,7 @@
                 </a:solidFill>
               </a:defRPr>
             </a:lvl5pPr>
-            <a:lvl6pPr indent="-317500" lvl="5" marL="2743200">
+            <a:lvl6pPr indent="-317500" lvl="5" marL="2743200" rtl="0">
               <a:lnSpc>
                 <a:spcPct val="115000"/>
               </a:lnSpc>
@@ -5104,7 +5904,7 @@
                 </a:solidFill>
               </a:defRPr>
             </a:lvl6pPr>
-            <a:lvl7pPr indent="-317500" lvl="6" marL="3200400">
+            <a:lvl7pPr indent="-317500" lvl="6" marL="3200400" rtl="0">
               <a:lnSpc>
                 <a:spcPct val="115000"/>
               </a:lnSpc>
@@ -5125,7 +5925,7 @@
                 </a:solidFill>
               </a:defRPr>
             </a:lvl7pPr>
-            <a:lvl8pPr indent="-317500" lvl="7" marL="3657600">
+            <a:lvl8pPr indent="-317500" lvl="7" marL="3657600" rtl="0">
               <a:lnSpc>
                 <a:spcPct val="115000"/>
               </a:lnSpc>
@@ -5146,7 +5946,7 @@
                 </a:solidFill>
               </a:defRPr>
             </a:lvl8pPr>
-            <a:lvl9pPr indent="-317500" lvl="8" marL="4114800">
+            <a:lvl9pPr indent="-317500" lvl="8" marL="4114800" rtl="0">
               <a:lnSpc>
                 <a:spcPct val="115000"/>
               </a:lnSpc>
@@ -5197,7 +5997,7 @@
             <a:noAutofit/>
           </a:bodyPr>
           <a:lstStyle>
-            <a:lvl1pPr lvl="0" algn="r">
+            <a:lvl1pPr lvl="0" rtl="0" algn="r">
               <a:buNone/>
               <a:defRPr sz="1000">
                 <a:solidFill>
@@ -5205,7 +6005,7 @@
                 </a:solidFill>
               </a:defRPr>
             </a:lvl1pPr>
-            <a:lvl2pPr lvl="1" algn="r">
+            <a:lvl2pPr lvl="1" rtl="0" algn="r">
               <a:buNone/>
               <a:defRPr sz="1000">
                 <a:solidFill>
@@ -5213,7 +6013,7 @@
                 </a:solidFill>
               </a:defRPr>
             </a:lvl2pPr>
-            <a:lvl3pPr lvl="2" algn="r">
+            <a:lvl3pPr lvl="2" rtl="0" algn="r">
               <a:buNone/>
               <a:defRPr sz="1000">
                 <a:solidFill>
@@ -5221,7 +6021,7 @@
                 </a:solidFill>
               </a:defRPr>
             </a:lvl3pPr>
-            <a:lvl4pPr lvl="3" algn="r">
+            <a:lvl4pPr lvl="3" rtl="0" algn="r">
               <a:buNone/>
               <a:defRPr sz="1000">
                 <a:solidFill>
@@ -5229,7 +6029,7 @@
                 </a:solidFill>
               </a:defRPr>
             </a:lvl4pPr>
-            <a:lvl5pPr lvl="4" algn="r">
+            <a:lvl5pPr lvl="4" rtl="0" algn="r">
               <a:buNone/>
               <a:defRPr sz="1000">
                 <a:solidFill>
@@ -5237,7 +6037,7 @@
                 </a:solidFill>
               </a:defRPr>
             </a:lvl5pPr>
-            <a:lvl6pPr lvl="5" algn="r">
+            <a:lvl6pPr lvl="5" rtl="0" algn="r">
               <a:buNone/>
               <a:defRPr sz="1000">
                 <a:solidFill>
@@ -5245,7 +6045,7 @@
                 </a:solidFill>
               </a:defRPr>
             </a:lvl6pPr>
-            <a:lvl7pPr lvl="6" algn="r">
+            <a:lvl7pPr lvl="6" rtl="0" algn="r">
               <a:buNone/>
               <a:defRPr sz="1000">
                 <a:solidFill>
@@ -5253,7 +6053,7 @@
                 </a:solidFill>
               </a:defRPr>
             </a:lvl7pPr>
-            <a:lvl8pPr lvl="7" algn="r">
+            <a:lvl8pPr lvl="7" rtl="0" algn="r">
               <a:buNone/>
               <a:defRPr sz="1000">
                 <a:solidFill>
@@ -5261,7 +6061,7 @@
                 </a:solidFill>
               </a:defRPr>
             </a:lvl8pPr>
-            <a:lvl9pPr lvl="8" algn="r">
+            <a:lvl9pPr lvl="8" rtl="0" algn="r">
               <a:buNone/>
               <a:defRPr sz="1000">
                 <a:solidFill>
@@ -6101,6 +6901,1031 @@
 </p:sld>
 </file>
 
+<file path=ppt/slides/slide10.xml><?xml version="1.0" encoding="utf-8"?>
+<p:sld xmlns:a="http://schemas.openxmlformats.org/drawingml/2006/main" xmlns:r="http://schemas.openxmlformats.org/officeDocument/2006/relationships" xmlns:mc="http://schemas.openxmlformats.org/markup-compatibility/2006" xmlns:mv="urn:schemas-microsoft-com:mac:vml" xmlns:p="http://schemas.openxmlformats.org/presentationml/2006/main" xmlns:c="http://schemas.openxmlformats.org/drawingml/2006/chart" xmlns:dgm="http://schemas.openxmlformats.org/drawingml/2006/diagram" xmlns:o="urn:schemas-microsoft-com:office:office" xmlns:v="urn:schemas-microsoft-com:vml" xmlns:pvml="urn:schemas-microsoft-com:office:powerpoint" xmlns:com="http://schemas.openxmlformats.org/drawingml/2006/compatibility" xmlns:p14="http://schemas.microsoft.com/office/powerpoint/2010/main" xmlns:p15="http://schemas.microsoft.com/office/powerpoint/2012/main" xmlns:ahyp="http://schemas.microsoft.com/office/drawing/2018/hyperlinkcolor">
+  <p:cSld>
+    <p:spTree>
+      <p:nvGrpSpPr>
+        <p:cNvPr id="113" name="Shape 113"/>
+        <p:cNvGrpSpPr/>
+        <p:nvPr/>
+      </p:nvGrpSpPr>
+      <p:grpSpPr>
+        <a:xfrm>
+          <a:off x="0" y="0"/>
+          <a:ext cx="0" cy="0"/>
+          <a:chOff x="0" y="0"/>
+          <a:chExt cx="0" cy="0"/>
+        </a:xfrm>
+      </p:grpSpPr>
+      <p:sp>
+        <p:nvSpPr>
+          <p:cNvPr id="114" name="Google Shape;114;p22"/>
+          <p:cNvSpPr txBox="1"/>
+          <p:nvPr>
+            <p:ph type="title"/>
+          </p:nvPr>
+        </p:nvSpPr>
+        <p:spPr>
+          <a:xfrm>
+            <a:off x="311700" y="445025"/>
+            <a:ext cx="8520600" cy="572700"/>
+          </a:xfrm>
+          <a:prstGeom prst="rect">
+            <a:avLst/>
+          </a:prstGeom>
+        </p:spPr>
+        <p:txBody>
+          <a:bodyPr anchorCtr="0" anchor="t" bIns="91425" lIns="91425" spcFirstLastPara="1" rIns="91425" wrap="square" tIns="91425">
+            <a:noAutofit/>
+          </a:bodyPr>
+          <a:lstStyle/>
+          <a:p>
+            <a:pPr indent="0" lvl="0" marL="0" rtl="0" algn="l">
+              <a:spcBef>
+                <a:spcPts val="0"/>
+              </a:spcBef>
+              <a:spcAft>
+                <a:spcPts val="0"/>
+              </a:spcAft>
+              <a:buNone/>
+            </a:pPr>
+            <a:r>
+              <a:rPr lang="en"/>
+              <a:t>Simulating idea spread</a:t>
+            </a:r>
+            <a:endParaRPr/>
+          </a:p>
+        </p:txBody>
+      </p:sp>
+      <p:sp>
+        <p:nvSpPr>
+          <p:cNvPr id="115" name="Google Shape;115;p22"/>
+          <p:cNvSpPr txBox="1"/>
+          <p:nvPr>
+            <p:ph idx="1" type="body"/>
+          </p:nvPr>
+        </p:nvSpPr>
+        <p:spPr>
+          <a:xfrm>
+            <a:off x="311700" y="1152475"/>
+            <a:ext cx="8520600" cy="3416400"/>
+          </a:xfrm>
+          <a:prstGeom prst="rect">
+            <a:avLst/>
+          </a:prstGeom>
+        </p:spPr>
+        <p:txBody>
+          <a:bodyPr anchorCtr="0" anchor="t" bIns="91425" lIns="91425" spcFirstLastPara="1" rIns="91425" wrap="square" tIns="91425">
+            <a:noAutofit/>
+          </a:bodyPr>
+          <a:lstStyle/>
+          <a:p>
+            <a:pPr indent="0" lvl="0" marL="0" rtl="0" algn="l">
+              <a:spcBef>
+                <a:spcPts val="0"/>
+              </a:spcBef>
+              <a:spcAft>
+                <a:spcPts val="0"/>
+              </a:spcAft>
+              <a:buNone/>
+            </a:pPr>
+            <a:r>
+              <a:rPr lang="en"/>
+              <a:t>Model: Discrete-time SIR</a:t>
+            </a:r>
+            <a:endParaRPr/>
+          </a:p>
+          <a:p>
+            <a:pPr indent="0" lvl="0" marL="0" rtl="0" algn="l">
+              <a:spcBef>
+                <a:spcPts val="1600"/>
+              </a:spcBef>
+              <a:spcAft>
+                <a:spcPts val="0"/>
+              </a:spcAft>
+              <a:buNone/>
+            </a:pPr>
+            <a:r>
+              <a:rPr lang="en"/>
+              <a:t>Network: Collaboration network</a:t>
+            </a:r>
+            <a:endParaRPr/>
+          </a:p>
+          <a:p>
+            <a:pPr indent="0" lvl="0" marL="0" rtl="0" algn="l">
+              <a:spcBef>
+                <a:spcPts val="1600"/>
+              </a:spcBef>
+              <a:spcAft>
+                <a:spcPts val="1600"/>
+              </a:spcAft>
+              <a:buNone/>
+            </a:pPr>
+            <a:r>
+              <a:rPr lang="en"/>
+              <a:t>Starting infected: Authors of a single paper</a:t>
+            </a:r>
+            <a:endParaRPr/>
+          </a:p>
+        </p:txBody>
+      </p:sp>
+    </p:spTree>
+  </p:cSld>
+  <p:clrMapOvr>
+    <a:masterClrMapping/>
+  </p:clrMapOvr>
+</p:sld>
+</file>
+
+<file path=ppt/slides/slide11.xml><?xml version="1.0" encoding="utf-8"?>
+<p:sld xmlns:a="http://schemas.openxmlformats.org/drawingml/2006/main" xmlns:r="http://schemas.openxmlformats.org/officeDocument/2006/relationships" xmlns:mc="http://schemas.openxmlformats.org/markup-compatibility/2006" xmlns:mv="urn:schemas-microsoft-com:mac:vml" xmlns:p="http://schemas.openxmlformats.org/presentationml/2006/main" xmlns:c="http://schemas.openxmlformats.org/drawingml/2006/chart" xmlns:dgm="http://schemas.openxmlformats.org/drawingml/2006/diagram" xmlns:o="urn:schemas-microsoft-com:office:office" xmlns:v="urn:schemas-microsoft-com:vml" xmlns:pvml="urn:schemas-microsoft-com:office:powerpoint" xmlns:com="http://schemas.openxmlformats.org/drawingml/2006/compatibility" xmlns:p14="http://schemas.microsoft.com/office/powerpoint/2010/main" xmlns:p15="http://schemas.microsoft.com/office/powerpoint/2012/main" xmlns:ahyp="http://schemas.microsoft.com/office/drawing/2018/hyperlinkcolor">
+  <p:cSld>
+    <p:spTree>
+      <p:nvGrpSpPr>
+        <p:cNvPr id="119" name="Shape 119"/>
+        <p:cNvGrpSpPr/>
+        <p:nvPr/>
+      </p:nvGrpSpPr>
+      <p:grpSpPr>
+        <a:xfrm>
+          <a:off x="0" y="0"/>
+          <a:ext cx="0" cy="0"/>
+          <a:chOff x="0" y="0"/>
+          <a:chExt cx="0" cy="0"/>
+        </a:xfrm>
+      </p:grpSpPr>
+      <p:sp>
+        <p:nvSpPr>
+          <p:cNvPr id="120" name="Google Shape;120;p23"/>
+          <p:cNvSpPr txBox="1"/>
+          <p:nvPr>
+            <p:ph type="title"/>
+          </p:nvPr>
+        </p:nvSpPr>
+        <p:spPr>
+          <a:xfrm>
+            <a:off x="311700" y="445025"/>
+            <a:ext cx="8520600" cy="572700"/>
+          </a:xfrm>
+          <a:prstGeom prst="rect">
+            <a:avLst/>
+          </a:prstGeom>
+        </p:spPr>
+        <p:txBody>
+          <a:bodyPr anchorCtr="0" anchor="t" bIns="91425" lIns="91425" spcFirstLastPara="1" rIns="91425" wrap="square" tIns="91425">
+            <a:noAutofit/>
+          </a:bodyPr>
+          <a:lstStyle/>
+          <a:p>
+            <a:pPr indent="0" lvl="0" marL="0" rtl="0" algn="l">
+              <a:spcBef>
+                <a:spcPts val="0"/>
+              </a:spcBef>
+              <a:spcAft>
+                <a:spcPts val="0"/>
+              </a:spcAft>
+              <a:buNone/>
+            </a:pPr>
+            <a:r>
+              <a:rPr lang="en"/>
+              <a:t>Results</a:t>
+            </a:r>
+            <a:endParaRPr/>
+          </a:p>
+        </p:txBody>
+      </p:sp>
+      <p:sp>
+        <p:nvSpPr>
+          <p:cNvPr id="121" name="Google Shape;121;p23"/>
+          <p:cNvSpPr txBox="1"/>
+          <p:nvPr>
+            <p:ph idx="1" type="body"/>
+          </p:nvPr>
+        </p:nvSpPr>
+        <p:spPr>
+          <a:xfrm>
+            <a:off x="311700" y="1152475"/>
+            <a:ext cx="8520600" cy="3416400"/>
+          </a:xfrm>
+          <a:prstGeom prst="rect">
+            <a:avLst/>
+          </a:prstGeom>
+        </p:spPr>
+        <p:txBody>
+          <a:bodyPr anchorCtr="0" anchor="t" bIns="91425" lIns="91425" spcFirstLastPara="1" rIns="91425" wrap="square" tIns="91425">
+            <a:noAutofit/>
+          </a:bodyPr>
+          <a:lstStyle/>
+          <a:p>
+            <a:pPr indent="0" lvl="0" marL="0" rtl="0" algn="l">
+              <a:spcBef>
+                <a:spcPts val="0"/>
+              </a:spcBef>
+              <a:spcAft>
+                <a:spcPts val="1600"/>
+              </a:spcAft>
+              <a:buNone/>
+            </a:pPr>
+            <a:r>
+              <a:t/>
+            </a:r>
+            <a:endParaRPr/>
+          </a:p>
+        </p:txBody>
+      </p:sp>
+      <p:pic>
+        <p:nvPicPr>
+          <p:cNvPr id="122" name="Google Shape;122;p23"/>
+          <p:cNvPicPr preferRelativeResize="0"/>
+          <p:nvPr/>
+        </p:nvPicPr>
+        <p:blipFill>
+          <a:blip r:embed="rId3">
+            <a:alphaModFix/>
+          </a:blip>
+          <a:stretch>
+            <a:fillRect/>
+          </a:stretch>
+        </p:blipFill>
+        <p:spPr>
+          <a:xfrm>
+            <a:off x="1595438" y="1152463"/>
+            <a:ext cx="5953125" cy="3838575"/>
+          </a:xfrm>
+          <a:prstGeom prst="rect">
+            <a:avLst/>
+          </a:prstGeom>
+          <a:noFill/>
+          <a:ln>
+            <a:noFill/>
+          </a:ln>
+        </p:spPr>
+      </p:pic>
+    </p:spTree>
+  </p:cSld>
+  <p:clrMapOvr>
+    <a:masterClrMapping/>
+  </p:clrMapOvr>
+</p:sld>
+</file>
+
+<file path=ppt/slides/slide12.xml><?xml version="1.0" encoding="utf-8"?>
+<p:sld xmlns:a="http://schemas.openxmlformats.org/drawingml/2006/main" xmlns:r="http://schemas.openxmlformats.org/officeDocument/2006/relationships" xmlns:mc="http://schemas.openxmlformats.org/markup-compatibility/2006" xmlns:mv="urn:schemas-microsoft-com:mac:vml" xmlns:p="http://schemas.openxmlformats.org/presentationml/2006/main" xmlns:c="http://schemas.openxmlformats.org/drawingml/2006/chart" xmlns:dgm="http://schemas.openxmlformats.org/drawingml/2006/diagram" xmlns:o="urn:schemas-microsoft-com:office:office" xmlns:v="urn:schemas-microsoft-com:vml" xmlns:pvml="urn:schemas-microsoft-com:office:powerpoint" xmlns:com="http://schemas.openxmlformats.org/drawingml/2006/compatibility" xmlns:p14="http://schemas.microsoft.com/office/powerpoint/2010/main" xmlns:p15="http://schemas.microsoft.com/office/powerpoint/2012/main" xmlns:ahyp="http://schemas.microsoft.com/office/drawing/2018/hyperlinkcolor">
+  <p:cSld>
+    <p:spTree>
+      <p:nvGrpSpPr>
+        <p:cNvPr id="126" name="Shape 126"/>
+        <p:cNvGrpSpPr/>
+        <p:nvPr/>
+      </p:nvGrpSpPr>
+      <p:grpSpPr>
+        <a:xfrm>
+          <a:off x="0" y="0"/>
+          <a:ext cx="0" cy="0"/>
+          <a:chOff x="0" y="0"/>
+          <a:chExt cx="0" cy="0"/>
+        </a:xfrm>
+      </p:grpSpPr>
+      <p:sp>
+        <p:nvSpPr>
+          <p:cNvPr id="127" name="Google Shape;127;p24"/>
+          <p:cNvSpPr txBox="1"/>
+          <p:nvPr>
+            <p:ph type="title"/>
+          </p:nvPr>
+        </p:nvSpPr>
+        <p:spPr>
+          <a:xfrm>
+            <a:off x="311700" y="445025"/>
+            <a:ext cx="8520600" cy="572700"/>
+          </a:xfrm>
+          <a:prstGeom prst="rect">
+            <a:avLst/>
+          </a:prstGeom>
+        </p:spPr>
+        <p:txBody>
+          <a:bodyPr anchorCtr="0" anchor="t" bIns="91425" lIns="91425" spcFirstLastPara="1" rIns="91425" wrap="square" tIns="91425">
+            <a:noAutofit/>
+          </a:bodyPr>
+          <a:lstStyle/>
+          <a:p>
+            <a:pPr indent="0" lvl="0" marL="0" rtl="0" algn="l">
+              <a:spcBef>
+                <a:spcPts val="0"/>
+              </a:spcBef>
+              <a:spcAft>
+                <a:spcPts val="0"/>
+              </a:spcAft>
+              <a:buNone/>
+            </a:pPr>
+            <a:r>
+              <a:rPr lang="en"/>
+              <a:t>Statistical Analysis -- OLS</a:t>
+            </a:r>
+            <a:endParaRPr/>
+          </a:p>
+        </p:txBody>
+      </p:sp>
+      <p:graphicFrame>
+        <p:nvGraphicFramePr>
+          <p:cNvPr id="128" name="Google Shape;128;p24"/>
+          <p:cNvGraphicFramePr/>
+          <p:nvPr/>
+        </p:nvGraphicFramePr>
+        <p:xfrm>
+          <a:off x="952500" y="1809750"/>
+          <a:ext cx="3000000" cy="3000000"/>
+        </p:xfrm>
+        <a:graphic>
+          <a:graphicData uri="http://schemas.openxmlformats.org/drawingml/2006/table">
+            <a:tbl>
+              <a:tblPr>
+                <a:noFill/>
+                <a:tableStyleId>{CADF2CEE-0D53-43A9-8B48-84BC13E4AED9}</a:tableStyleId>
+              </a:tblPr>
+              <a:tblGrid>
+                <a:gridCol w="2413000"/>
+                <a:gridCol w="2413000"/>
+                <a:gridCol w="2413000"/>
+              </a:tblGrid>
+              <a:tr h="381000">
+                <a:tc>
+                  <a:txBody>
+                    <a:bodyPr/>
+                    <a:lstStyle/>
+                    <a:p>
+                      <a:pPr indent="0" lvl="0" marL="0" rtl="0" algn="ctr">
+                        <a:spcBef>
+                          <a:spcPts val="0"/>
+                        </a:spcBef>
+                        <a:spcAft>
+                          <a:spcPts val="0"/>
+                        </a:spcAft>
+                        <a:buNone/>
+                      </a:pPr>
+                      <a:r>
+                        <a:rPr b="1" lang="en">
+                          <a:solidFill>
+                            <a:srgbClr val="FFFFFF"/>
+                          </a:solidFill>
+                        </a:rPr>
+                        <a:t>Variable</a:t>
+                      </a:r>
+                      <a:endParaRPr b="1">
+                        <a:solidFill>
+                          <a:srgbClr val="FFFFFF"/>
+                        </a:solidFill>
+                      </a:endParaRPr>
+                    </a:p>
+                  </a:txBody>
+                  <a:tcPr marT="91425" marB="91425" marR="91425" marL="91425">
+                    <a:solidFill>
+                      <a:srgbClr val="666666"/>
+                    </a:solidFill>
+                  </a:tcPr>
+                </a:tc>
+                <a:tc>
+                  <a:txBody>
+                    <a:bodyPr/>
+                    <a:lstStyle/>
+                    <a:p>
+                      <a:pPr indent="0" lvl="0" marL="0" rtl="0" algn="ctr">
+                        <a:spcBef>
+                          <a:spcPts val="0"/>
+                        </a:spcBef>
+                        <a:spcAft>
+                          <a:spcPts val="0"/>
+                        </a:spcAft>
+                        <a:buNone/>
+                      </a:pPr>
+                      <a:r>
+                        <a:rPr b="1" lang="en">
+                          <a:solidFill>
+                            <a:srgbClr val="FFFFFF"/>
+                          </a:solidFill>
+                        </a:rPr>
+                        <a:t>Coefficient</a:t>
+                      </a:r>
+                      <a:endParaRPr b="1">
+                        <a:solidFill>
+                          <a:srgbClr val="FFFFFF"/>
+                        </a:solidFill>
+                      </a:endParaRPr>
+                    </a:p>
+                  </a:txBody>
+                  <a:tcPr marT="91425" marB="91425" marR="91425" marL="91425">
+                    <a:solidFill>
+                      <a:srgbClr val="666666"/>
+                    </a:solidFill>
+                  </a:tcPr>
+                </a:tc>
+                <a:tc>
+                  <a:txBody>
+                    <a:bodyPr/>
+                    <a:lstStyle/>
+                    <a:p>
+                      <a:pPr indent="0" lvl="0" marL="0" rtl="0" algn="ctr">
+                        <a:spcBef>
+                          <a:spcPts val="0"/>
+                        </a:spcBef>
+                        <a:spcAft>
+                          <a:spcPts val="0"/>
+                        </a:spcAft>
+                        <a:buNone/>
+                      </a:pPr>
+                      <a:r>
+                        <a:rPr b="1" lang="en">
+                          <a:solidFill>
+                            <a:srgbClr val="FFFFFF"/>
+                          </a:solidFill>
+                        </a:rPr>
+                        <a:t>P-Value</a:t>
+                      </a:r>
+                      <a:endParaRPr b="1">
+                        <a:solidFill>
+                          <a:srgbClr val="FFFFFF"/>
+                        </a:solidFill>
+                      </a:endParaRPr>
+                    </a:p>
+                  </a:txBody>
+                  <a:tcPr marT="91425" marB="91425" marR="91425" marL="91425">
+                    <a:solidFill>
+                      <a:srgbClr val="666666"/>
+                    </a:solidFill>
+                  </a:tcPr>
+                </a:tc>
+              </a:tr>
+              <a:tr h="381000">
+                <a:tc>
+                  <a:txBody>
+                    <a:bodyPr/>
+                    <a:lstStyle/>
+                    <a:p>
+                      <a:pPr indent="0" lvl="0" marL="0" rtl="0" algn="ctr">
+                        <a:spcBef>
+                          <a:spcPts val="0"/>
+                        </a:spcBef>
+                        <a:spcAft>
+                          <a:spcPts val="0"/>
+                        </a:spcAft>
+                        <a:buNone/>
+                      </a:pPr>
+                      <a:r>
+                        <a:rPr lang="en">
+                          <a:solidFill>
+                            <a:srgbClr val="FFFFFF"/>
+                          </a:solidFill>
+                        </a:rPr>
+                        <a:t>Rating</a:t>
+                      </a:r>
+                      <a:endParaRPr>
+                        <a:solidFill>
+                          <a:srgbClr val="FFFFFF"/>
+                        </a:solidFill>
+                      </a:endParaRPr>
+                    </a:p>
+                  </a:txBody>
+                  <a:tcPr marT="91425" marB="91425" marR="91425" marL="91425"/>
+                </a:tc>
+                <a:tc>
+                  <a:txBody>
+                    <a:bodyPr/>
+                    <a:lstStyle/>
+                    <a:p>
+                      <a:pPr indent="0" lvl="0" marL="0" rtl="0" algn="ctr">
+                        <a:spcBef>
+                          <a:spcPts val="0"/>
+                        </a:spcBef>
+                        <a:spcAft>
+                          <a:spcPts val="0"/>
+                        </a:spcAft>
+                        <a:buNone/>
+                      </a:pPr>
+                      <a:r>
+                        <a:rPr lang="en">
+                          <a:solidFill>
+                            <a:srgbClr val="FFFFFF"/>
+                          </a:solidFill>
+                        </a:rPr>
+                        <a:t>1.132</a:t>
+                      </a:r>
+                      <a:endParaRPr>
+                        <a:solidFill>
+                          <a:srgbClr val="FFFFFF"/>
+                        </a:solidFill>
+                      </a:endParaRPr>
+                    </a:p>
+                  </a:txBody>
+                  <a:tcPr marT="91425" marB="91425" marR="91425" marL="91425"/>
+                </a:tc>
+                <a:tc>
+                  <a:txBody>
+                    <a:bodyPr/>
+                    <a:lstStyle/>
+                    <a:p>
+                      <a:pPr indent="0" lvl="0" marL="0" rtl="0" algn="ctr">
+                        <a:spcBef>
+                          <a:spcPts val="0"/>
+                        </a:spcBef>
+                        <a:spcAft>
+                          <a:spcPts val="0"/>
+                        </a:spcAft>
+                        <a:buNone/>
+                      </a:pPr>
+                      <a:r>
+                        <a:rPr lang="en">
+                          <a:solidFill>
+                            <a:srgbClr val="FFFFFF"/>
+                          </a:solidFill>
+                        </a:rPr>
+                        <a:t>0.777</a:t>
+                      </a:r>
+                      <a:endParaRPr>
+                        <a:solidFill>
+                          <a:srgbClr val="FFFFFF"/>
+                        </a:solidFill>
+                      </a:endParaRPr>
+                    </a:p>
+                  </a:txBody>
+                  <a:tcPr marT="91425" marB="91425" marR="91425" marL="91425"/>
+                </a:tc>
+              </a:tr>
+              <a:tr h="381000">
+                <a:tc>
+                  <a:txBody>
+                    <a:bodyPr/>
+                    <a:lstStyle/>
+                    <a:p>
+                      <a:pPr indent="0" lvl="0" marL="0" rtl="0" algn="ctr">
+                        <a:spcBef>
+                          <a:spcPts val="0"/>
+                        </a:spcBef>
+                        <a:spcAft>
+                          <a:spcPts val="0"/>
+                        </a:spcAft>
+                        <a:buNone/>
+                      </a:pPr>
+                      <a:r>
+                        <a:rPr lang="en">
+                          <a:solidFill>
+                            <a:srgbClr val="FFFFFF"/>
+                          </a:solidFill>
+                        </a:rPr>
+                        <a:t>Prestige</a:t>
+                      </a:r>
+                      <a:endParaRPr>
+                        <a:solidFill>
+                          <a:srgbClr val="FFFFFF"/>
+                        </a:solidFill>
+                      </a:endParaRPr>
+                    </a:p>
+                  </a:txBody>
+                  <a:tcPr marT="91425" marB="91425" marR="91425" marL="91425"/>
+                </a:tc>
+                <a:tc>
+                  <a:txBody>
+                    <a:bodyPr/>
+                    <a:lstStyle/>
+                    <a:p>
+                      <a:pPr indent="0" lvl="0" marL="0" rtl="0" algn="ctr">
+                        <a:spcBef>
+                          <a:spcPts val="0"/>
+                        </a:spcBef>
+                        <a:spcAft>
+                          <a:spcPts val="0"/>
+                        </a:spcAft>
+                        <a:buNone/>
+                      </a:pPr>
+                      <a:r>
+                        <a:rPr lang="en">
+                          <a:solidFill>
+                            <a:srgbClr val="FFFFFF"/>
+                          </a:solidFill>
+                        </a:rPr>
+                        <a:t>-13.924</a:t>
+                      </a:r>
+                      <a:endParaRPr>
+                        <a:solidFill>
+                          <a:srgbClr val="FFFFFF"/>
+                        </a:solidFill>
+                      </a:endParaRPr>
+                    </a:p>
+                  </a:txBody>
+                  <a:tcPr marT="91425" marB="91425" marR="91425" marL="91425"/>
+                </a:tc>
+                <a:tc>
+                  <a:txBody>
+                    <a:bodyPr/>
+                    <a:lstStyle/>
+                    <a:p>
+                      <a:pPr indent="0" lvl="0" marL="0" rtl="0" algn="ctr">
+                        <a:spcBef>
+                          <a:spcPts val="0"/>
+                        </a:spcBef>
+                        <a:spcAft>
+                          <a:spcPts val="0"/>
+                        </a:spcAft>
+                        <a:buNone/>
+                      </a:pPr>
+                      <a:r>
+                        <a:rPr lang="en">
+                          <a:solidFill>
+                            <a:srgbClr val="FFFFFF"/>
+                          </a:solidFill>
+                        </a:rPr>
+                        <a:t>0.392</a:t>
+                      </a:r>
+                      <a:endParaRPr>
+                        <a:solidFill>
+                          <a:srgbClr val="FFFFFF"/>
+                        </a:solidFill>
+                      </a:endParaRPr>
+                    </a:p>
+                  </a:txBody>
+                  <a:tcPr marT="91425" marB="91425" marR="91425" marL="91425"/>
+                </a:tc>
+              </a:tr>
+              <a:tr h="381000">
+                <a:tc>
+                  <a:txBody>
+                    <a:bodyPr/>
+                    <a:lstStyle/>
+                    <a:p>
+                      <a:pPr indent="0" lvl="0" marL="0" rtl="0" algn="ctr">
+                        <a:spcBef>
+                          <a:spcPts val="0"/>
+                        </a:spcBef>
+                        <a:spcAft>
+                          <a:spcPts val="0"/>
+                        </a:spcAft>
+                        <a:buNone/>
+                      </a:pPr>
+                      <a:r>
+                        <a:rPr lang="en">
+                          <a:solidFill>
+                            <a:srgbClr val="FFFFFF"/>
+                          </a:solidFill>
+                        </a:rPr>
+                        <a:t>Simulated epidemic size</a:t>
+                      </a:r>
+                      <a:endParaRPr>
+                        <a:solidFill>
+                          <a:srgbClr val="FFFFFF"/>
+                        </a:solidFill>
+                      </a:endParaRPr>
+                    </a:p>
+                  </a:txBody>
+                  <a:tcPr marT="91425" marB="91425" marR="91425" marL="91425"/>
+                </a:tc>
+                <a:tc>
+                  <a:txBody>
+                    <a:bodyPr/>
+                    <a:lstStyle/>
+                    <a:p>
+                      <a:pPr indent="0" lvl="0" marL="0" rtl="0" algn="ctr">
+                        <a:spcBef>
+                          <a:spcPts val="0"/>
+                        </a:spcBef>
+                        <a:spcAft>
+                          <a:spcPts val="0"/>
+                        </a:spcAft>
+                        <a:buNone/>
+                      </a:pPr>
+                      <a:r>
+                        <a:rPr lang="en">
+                          <a:solidFill>
+                            <a:srgbClr val="FFFFFF"/>
+                          </a:solidFill>
+                        </a:rPr>
+                        <a:t>0.0587</a:t>
+                      </a:r>
+                      <a:endParaRPr>
+                        <a:solidFill>
+                          <a:srgbClr val="FFFFFF"/>
+                        </a:solidFill>
+                      </a:endParaRPr>
+                    </a:p>
+                  </a:txBody>
+                  <a:tcPr marT="91425" marB="91425" marR="91425" marL="91425"/>
+                </a:tc>
+                <a:tc>
+                  <a:txBody>
+                    <a:bodyPr/>
+                    <a:lstStyle/>
+                    <a:p>
+                      <a:pPr indent="0" lvl="0" marL="0" rtl="0" algn="ctr">
+                        <a:spcBef>
+                          <a:spcPts val="0"/>
+                        </a:spcBef>
+                        <a:spcAft>
+                          <a:spcPts val="0"/>
+                        </a:spcAft>
+                        <a:buNone/>
+                      </a:pPr>
+                      <a:r>
+                        <a:rPr lang="en">
+                          <a:solidFill>
+                            <a:srgbClr val="FFFFFF"/>
+                          </a:solidFill>
+                        </a:rPr>
+                        <a:t>0.000</a:t>
+                      </a:r>
+                      <a:endParaRPr>
+                        <a:solidFill>
+                          <a:srgbClr val="FFFFFF"/>
+                        </a:solidFill>
+                      </a:endParaRPr>
+                    </a:p>
+                  </a:txBody>
+                  <a:tcPr marT="91425" marB="91425" marR="91425" marL="91425"/>
+                </a:tc>
+              </a:tr>
+            </a:tbl>
+          </a:graphicData>
+        </a:graphic>
+      </p:graphicFrame>
+    </p:spTree>
+  </p:cSld>
+  <p:clrMapOvr>
+    <a:masterClrMapping/>
+  </p:clrMapOvr>
+</p:sld>
+</file>
+
+<file path=ppt/slides/slide13.xml><?xml version="1.0" encoding="utf-8"?>
+<p:sld xmlns:a="http://schemas.openxmlformats.org/drawingml/2006/main" xmlns:r="http://schemas.openxmlformats.org/officeDocument/2006/relationships" xmlns:mc="http://schemas.openxmlformats.org/markup-compatibility/2006" xmlns:mv="urn:schemas-microsoft-com:mac:vml" xmlns:p="http://schemas.openxmlformats.org/presentationml/2006/main" xmlns:c="http://schemas.openxmlformats.org/drawingml/2006/chart" xmlns:dgm="http://schemas.openxmlformats.org/drawingml/2006/diagram" xmlns:o="urn:schemas-microsoft-com:office:office" xmlns:v="urn:schemas-microsoft-com:vml" xmlns:pvml="urn:schemas-microsoft-com:office:powerpoint" xmlns:com="http://schemas.openxmlformats.org/drawingml/2006/compatibility" xmlns:p14="http://schemas.microsoft.com/office/powerpoint/2010/main" xmlns:p15="http://schemas.microsoft.com/office/powerpoint/2012/main" xmlns:ahyp="http://schemas.microsoft.com/office/drawing/2018/hyperlinkcolor">
+  <p:cSld>
+    <p:spTree>
+      <p:nvGrpSpPr>
+        <p:cNvPr id="132" name="Shape 132"/>
+        <p:cNvGrpSpPr/>
+        <p:nvPr/>
+      </p:nvGrpSpPr>
+      <p:grpSpPr>
+        <a:xfrm>
+          <a:off x="0" y="0"/>
+          <a:ext cx="0" cy="0"/>
+          <a:chOff x="0" y="0"/>
+          <a:chExt cx="0" cy="0"/>
+        </a:xfrm>
+      </p:grpSpPr>
+      <p:sp>
+        <p:nvSpPr>
+          <p:cNvPr id="133" name="Google Shape;133;p25"/>
+          <p:cNvSpPr txBox="1"/>
+          <p:nvPr>
+            <p:ph type="title"/>
+          </p:nvPr>
+        </p:nvSpPr>
+        <p:spPr>
+          <a:xfrm>
+            <a:off x="311700" y="445025"/>
+            <a:ext cx="8520600" cy="572700"/>
+          </a:xfrm>
+          <a:prstGeom prst="rect">
+            <a:avLst/>
+          </a:prstGeom>
+        </p:spPr>
+        <p:txBody>
+          <a:bodyPr anchorCtr="0" anchor="t" bIns="91425" lIns="91425" spcFirstLastPara="1" rIns="91425" wrap="square" tIns="91425">
+            <a:noAutofit/>
+          </a:bodyPr>
+          <a:lstStyle/>
+          <a:p>
+            <a:pPr indent="0" lvl="0" marL="0" rtl="0" algn="l">
+              <a:spcBef>
+                <a:spcPts val="0"/>
+              </a:spcBef>
+              <a:spcAft>
+                <a:spcPts val="0"/>
+              </a:spcAft>
+              <a:buNone/>
+            </a:pPr>
+            <a:r>
+              <a:rPr lang="en"/>
+              <a:t>What drives this?</a:t>
+            </a:r>
+            <a:endParaRPr/>
+          </a:p>
+        </p:txBody>
+      </p:sp>
+      <p:sp>
+        <p:nvSpPr>
+          <p:cNvPr id="134" name="Google Shape;134;p25"/>
+          <p:cNvSpPr txBox="1"/>
+          <p:nvPr>
+            <p:ph idx="1" type="body"/>
+          </p:nvPr>
+        </p:nvSpPr>
+        <p:spPr>
+          <a:xfrm>
+            <a:off x="311700" y="1152475"/>
+            <a:ext cx="8520600" cy="3416400"/>
+          </a:xfrm>
+          <a:prstGeom prst="rect">
+            <a:avLst/>
+          </a:prstGeom>
+        </p:spPr>
+        <p:txBody>
+          <a:bodyPr anchorCtr="0" anchor="t" bIns="91425" lIns="91425" spcFirstLastPara="1" rIns="91425" wrap="square" tIns="91425">
+            <a:noAutofit/>
+          </a:bodyPr>
+          <a:lstStyle/>
+          <a:p>
+            <a:pPr indent="-342900" lvl="0" marL="457200" rtl="0" algn="l">
+              <a:spcBef>
+                <a:spcPts val="0"/>
+              </a:spcBef>
+              <a:spcAft>
+                <a:spcPts val="0"/>
+              </a:spcAft>
+              <a:buSzPts val="1800"/>
+              <a:buChar char="●"/>
+            </a:pPr>
+            <a:r>
+              <a:rPr lang="en"/>
+              <a:t>Paper recommendations are egocentric </a:t>
+            </a:r>
+            <a:endParaRPr/>
+          </a:p>
+          <a:p>
+            <a:pPr indent="-317500" lvl="1" marL="914400" rtl="0" algn="l">
+              <a:spcBef>
+                <a:spcPts val="0"/>
+              </a:spcBef>
+              <a:spcAft>
+                <a:spcPts val="0"/>
+              </a:spcAft>
+              <a:buSzPts val="1400"/>
+              <a:buChar char="○"/>
+            </a:pPr>
+            <a:r>
+              <a:rPr lang="en"/>
+              <a:t>e.g. following someone on Google Scholar</a:t>
+            </a:r>
+            <a:endParaRPr/>
+          </a:p>
+          <a:p>
+            <a:pPr indent="-342900" lvl="0" marL="457200" rtl="0" algn="l">
+              <a:spcBef>
+                <a:spcPts val="0"/>
+              </a:spcBef>
+              <a:spcAft>
+                <a:spcPts val="0"/>
+              </a:spcAft>
+              <a:buSzPts val="1800"/>
+              <a:buChar char="●"/>
+            </a:pPr>
+            <a:r>
+              <a:rPr lang="en"/>
+              <a:t>Cognitive shortcuts </a:t>
+            </a:r>
+            <a:endParaRPr/>
+          </a:p>
+          <a:p>
+            <a:pPr indent="-317500" lvl="1" marL="914400" rtl="0" algn="l">
+              <a:spcBef>
+                <a:spcPts val="0"/>
+              </a:spcBef>
+              <a:spcAft>
+                <a:spcPts val="0"/>
+              </a:spcAft>
+              <a:buSzPts val="1400"/>
+              <a:buChar char="○"/>
+            </a:pPr>
+            <a:r>
+              <a:rPr lang="en"/>
+              <a:t>Easier to look at a name than read and evaluate a paper</a:t>
+            </a:r>
+            <a:endParaRPr/>
+          </a:p>
+          <a:p>
+            <a:pPr indent="-342900" lvl="0" marL="457200" rtl="0" algn="l">
+              <a:spcBef>
+                <a:spcPts val="0"/>
+              </a:spcBef>
+              <a:spcAft>
+                <a:spcPts val="0"/>
+              </a:spcAft>
+              <a:buSzPts val="1800"/>
+              <a:buChar char="●"/>
+            </a:pPr>
+            <a:r>
+              <a:rPr lang="en"/>
+              <a:t>Publication volume</a:t>
+            </a:r>
+            <a:endParaRPr/>
+          </a:p>
+          <a:p>
+            <a:pPr indent="-317500" lvl="1" marL="914400" rtl="0" algn="l">
+              <a:spcBef>
+                <a:spcPts val="0"/>
+              </a:spcBef>
+              <a:spcAft>
+                <a:spcPts val="0"/>
+              </a:spcAft>
+              <a:buSzPts val="1400"/>
+              <a:buChar char="○"/>
+            </a:pPr>
+            <a:r>
+              <a:rPr lang="en"/>
+              <a:t>Self-citing </a:t>
+            </a:r>
+            <a:endParaRPr/>
+          </a:p>
+          <a:p>
+            <a:pPr indent="-317500" lvl="1" marL="914400" rtl="0" algn="l">
+              <a:spcBef>
+                <a:spcPts val="0"/>
+              </a:spcBef>
+              <a:spcAft>
+                <a:spcPts val="0"/>
+              </a:spcAft>
+              <a:buSzPts val="1400"/>
+              <a:buChar char="○"/>
+            </a:pPr>
+            <a:r>
+              <a:rPr lang="en"/>
+              <a:t>Diminishing effort to additional publications</a:t>
+            </a:r>
+            <a:endParaRPr/>
+          </a:p>
+        </p:txBody>
+      </p:sp>
+    </p:spTree>
+  </p:cSld>
+  <p:clrMapOvr>
+    <a:masterClrMapping/>
+  </p:clrMapOvr>
+</p:sld>
+</file>
+
+<file path=ppt/slides/slide14.xml><?xml version="1.0" encoding="utf-8"?>
+<p:sld xmlns:a="http://schemas.openxmlformats.org/drawingml/2006/main" xmlns:r="http://schemas.openxmlformats.org/officeDocument/2006/relationships" xmlns:mc="http://schemas.openxmlformats.org/markup-compatibility/2006" xmlns:mv="urn:schemas-microsoft-com:mac:vml" xmlns:p="http://schemas.openxmlformats.org/presentationml/2006/main" xmlns:c="http://schemas.openxmlformats.org/drawingml/2006/chart" xmlns:dgm="http://schemas.openxmlformats.org/drawingml/2006/diagram" xmlns:o="urn:schemas-microsoft-com:office:office" xmlns:v="urn:schemas-microsoft-com:vml" xmlns:pvml="urn:schemas-microsoft-com:office:powerpoint" xmlns:com="http://schemas.openxmlformats.org/drawingml/2006/compatibility" xmlns:p14="http://schemas.microsoft.com/office/powerpoint/2010/main" xmlns:p15="http://schemas.microsoft.com/office/powerpoint/2012/main" xmlns:ahyp="http://schemas.microsoft.com/office/drawing/2018/hyperlinkcolor">
+  <p:cSld>
+    <p:spTree>
+      <p:nvGrpSpPr>
+        <p:cNvPr id="138" name="Shape 138"/>
+        <p:cNvGrpSpPr/>
+        <p:nvPr/>
+      </p:nvGrpSpPr>
+      <p:grpSpPr>
+        <a:xfrm>
+          <a:off x="0" y="0"/>
+          <a:ext cx="0" cy="0"/>
+          <a:chOff x="0" y="0"/>
+          <a:chExt cx="0" cy="0"/>
+        </a:xfrm>
+      </p:grpSpPr>
+      <p:sp>
+        <p:nvSpPr>
+          <p:cNvPr id="139" name="Google Shape;139;p26"/>
+          <p:cNvSpPr txBox="1"/>
+          <p:nvPr>
+            <p:ph type="title"/>
+          </p:nvPr>
+        </p:nvSpPr>
+        <p:spPr>
+          <a:xfrm>
+            <a:off x="311700" y="2150850"/>
+            <a:ext cx="8520600" cy="841800"/>
+          </a:xfrm>
+          <a:prstGeom prst="rect">
+            <a:avLst/>
+          </a:prstGeom>
+        </p:spPr>
+        <p:txBody>
+          <a:bodyPr anchorCtr="0" anchor="ctr" bIns="91425" lIns="91425" spcFirstLastPara="1" rIns="91425" wrap="square" tIns="91425">
+            <a:noAutofit/>
+          </a:bodyPr>
+          <a:lstStyle/>
+          <a:p>
+            <a:pPr indent="0" lvl="0" marL="0" rtl="0" algn="ctr">
+              <a:spcBef>
+                <a:spcPts val="0"/>
+              </a:spcBef>
+              <a:spcAft>
+                <a:spcPts val="0"/>
+              </a:spcAft>
+              <a:buNone/>
+            </a:pPr>
+            <a:r>
+              <a:rPr lang="en"/>
+              <a:t>Questions?</a:t>
+            </a:r>
+            <a:endParaRPr/>
+          </a:p>
+        </p:txBody>
+      </p:sp>
+    </p:spTree>
+  </p:cSld>
+  <p:clrMapOvr>
+    <a:masterClrMapping/>
+  </p:clrMapOvr>
+</p:sld>
+</file>
+
 <file path=ppt/slides/slide2.xml><?xml version="1.0" encoding="utf-8"?>
 <p:sld xmlns:a="http://schemas.openxmlformats.org/drawingml/2006/main" xmlns:r="http://schemas.openxmlformats.org/officeDocument/2006/relationships" xmlns:mc="http://schemas.openxmlformats.org/markup-compatibility/2006" xmlns:mv="urn:schemas-microsoft-com:mac:vml" xmlns:p="http://schemas.openxmlformats.org/presentationml/2006/main" xmlns:c="http://schemas.openxmlformats.org/drawingml/2006/chart" xmlns:dgm="http://schemas.openxmlformats.org/drawingml/2006/diagram" xmlns:o="urn:schemas-microsoft-com:office:office" xmlns:v="urn:schemas-microsoft-com:vml" xmlns:pvml="urn:schemas-microsoft-com:office:powerpoint" xmlns:com="http://schemas.openxmlformats.org/drawingml/2006/compatibility" xmlns:p14="http://schemas.microsoft.com/office/powerpoint/2010/main" xmlns:p15="http://schemas.microsoft.com/office/powerpoint/2012/main" xmlns:ahyp="http://schemas.microsoft.com/office/drawing/2018/hyperlinkcolor">
   <p:cSld>
@@ -6186,12 +8011,95 @@
                 <a:spcPts val="0"/>
               </a:spcBef>
               <a:spcAft>
+                <a:spcPts val="0"/>
+              </a:spcAft>
+              <a:buNone/>
+            </a:pPr>
+            <a:r>
+              <a:rPr lang="en"/>
+              <a:t>Do ideas spread in academia based on merit, or on name recognition (individual or institution)? How do we filter shining ideas from the huge pool of papers?</a:t>
+            </a:r>
+            <a:endParaRPr/>
+          </a:p>
+          <a:p>
+            <a:pPr indent="0" lvl="0" marL="0" rtl="0" algn="l">
+              <a:spcBef>
                 <a:spcPts val="1600"/>
+              </a:spcBef>
+              <a:spcAft>
+                <a:spcPts val="0"/>
               </a:spcAft>
               <a:buNone/>
             </a:pPr>
             <a:r>
               <a:t/>
+            </a:r>
+            <a:endParaRPr/>
+          </a:p>
+          <a:p>
+            <a:pPr indent="0" lvl="0" marL="0" rtl="0" algn="l">
+              <a:spcBef>
+                <a:spcPts val="1600"/>
+              </a:spcBef>
+              <a:spcAft>
+                <a:spcPts val="0"/>
+              </a:spcAft>
+              <a:buNone/>
+            </a:pPr>
+            <a:r>
+              <a:rPr lang="en"/>
+              <a:t>People who should care:</a:t>
+            </a:r>
+            <a:endParaRPr/>
+          </a:p>
+          <a:p>
+            <a:pPr indent="-342900" lvl="0" marL="457200" rtl="0" algn="l">
+              <a:spcBef>
+                <a:spcPts val="1600"/>
+              </a:spcBef>
+              <a:spcAft>
+                <a:spcPts val="0"/>
+              </a:spcAft>
+              <a:buSzPts val="1800"/>
+              <a:buChar char="●"/>
+            </a:pPr>
+            <a:r>
+              <a:rPr lang="en"/>
+              <a:t>Students applying to PhD programs</a:t>
+            </a:r>
+            <a:endParaRPr/>
+          </a:p>
+          <a:p>
+            <a:pPr indent="-342900" lvl="0" marL="457200" rtl="0" algn="l">
+              <a:spcBef>
+                <a:spcPts val="0"/>
+              </a:spcBef>
+              <a:spcAft>
+                <a:spcPts val="0"/>
+              </a:spcAft>
+              <a:buSzPts val="1800"/>
+              <a:buChar char="●"/>
+            </a:pPr>
+            <a:r>
+              <a:rPr lang="en"/>
+              <a:t>Professors who want to optimize career success</a:t>
+            </a:r>
+            <a:endParaRPr/>
+          </a:p>
+          <a:p>
+            <a:pPr indent="-342900" lvl="0" marL="457200" rtl="0" algn="l">
+              <a:spcBef>
+                <a:spcPts val="0"/>
+              </a:spcBef>
+              <a:spcAft>
+                <a:spcPts val="0"/>
+              </a:spcAft>
+              <a:buSzPts val="1800"/>
+              <a:buChar char="●"/>
+            </a:pPr>
+            <a:r>
+              <a:rPr lang="en"/>
+              <a:t>PhD students with FOMO</a:t>
             </a:r>
             <a:endParaRPr/>
           </a:p>
@@ -6285,17 +8193,135 @@
           </a:bodyPr>
           <a:lstStyle/>
           <a:p>
+            <a:pPr indent="-342900" lvl="0" marL="457200" rtl="0" algn="l">
+              <a:spcBef>
+                <a:spcPts val="0"/>
+              </a:spcBef>
+              <a:spcAft>
+                <a:spcPts val="0"/>
+              </a:spcAft>
+              <a:buSzPts val="1800"/>
+              <a:buChar char="●"/>
+            </a:pPr>
+            <a:r>
+              <a:rPr lang="en"/>
+              <a:t>Conversation/collaboration between researchers</a:t>
+            </a:r>
+            <a:endParaRPr/>
+          </a:p>
+          <a:p>
+            <a:pPr indent="-342900" lvl="0" marL="457200" rtl="0" algn="l">
+              <a:spcBef>
+                <a:spcPts val="0"/>
+              </a:spcBef>
+              <a:spcAft>
+                <a:spcPts val="0"/>
+              </a:spcAft>
+              <a:buSzPts val="1800"/>
+              <a:buChar char="●"/>
+            </a:pPr>
+            <a:r>
+              <a:rPr lang="en"/>
+              <a:t>Departmental seminars</a:t>
+            </a:r>
+            <a:endParaRPr/>
+          </a:p>
+          <a:p>
+            <a:pPr indent="-342900" lvl="0" marL="457200" rtl="0" algn="l">
+              <a:spcBef>
+                <a:spcPts val="0"/>
+              </a:spcBef>
+              <a:spcAft>
+                <a:spcPts val="0"/>
+              </a:spcAft>
+              <a:buSzPts val="1800"/>
+              <a:buChar char="●"/>
+            </a:pPr>
+            <a:r>
+              <a:rPr lang="en"/>
+              <a:t>Conferences</a:t>
+            </a:r>
+            <a:endParaRPr/>
+          </a:p>
+          <a:p>
+            <a:pPr indent="-342900" lvl="0" marL="457200" rtl="0" algn="l">
+              <a:spcBef>
+                <a:spcPts val="0"/>
+              </a:spcBef>
+              <a:spcAft>
+                <a:spcPts val="0"/>
+              </a:spcAft>
+              <a:buSzPts val="1800"/>
+              <a:buChar char="●"/>
+            </a:pPr>
+            <a:r>
+              <a:rPr lang="en"/>
+              <a:t>Browsing the internet</a:t>
+            </a:r>
+            <a:endParaRPr/>
+          </a:p>
+          <a:p>
             <a:pPr indent="0" lvl="0" marL="0" rtl="0" algn="l">
               <a:spcBef>
-                <a:spcPts val="0"/>
-              </a:spcBef>
-              <a:spcAft>
                 <a:spcPts val="1600"/>
+              </a:spcBef>
+              <a:spcAft>
+                <a:spcPts val="0"/>
               </a:spcAft>
               <a:buNone/>
             </a:pPr>
             <a:r>
               <a:t/>
+            </a:r>
+            <a:endParaRPr/>
+          </a:p>
+          <a:p>
+            <a:pPr indent="0" lvl="0" marL="0" rtl="0" algn="l">
+              <a:spcBef>
+                <a:spcPts val="1600"/>
+              </a:spcBef>
+              <a:spcAft>
+                <a:spcPts val="0"/>
+              </a:spcAft>
+              <a:buNone/>
+            </a:pPr>
+            <a:r>
+              <a:rPr lang="en"/>
+              <a:t>Questions:</a:t>
+            </a:r>
+            <a:endParaRPr/>
+          </a:p>
+          <a:p>
+            <a:pPr indent="-342900" lvl="0" marL="457200" rtl="0" algn="l">
+              <a:spcBef>
+                <a:spcPts val="1600"/>
+              </a:spcBef>
+              <a:spcAft>
+                <a:spcPts val="0"/>
+              </a:spcAft>
+              <a:buSzPts val="1800"/>
+              <a:buChar char="●"/>
+            </a:pPr>
+            <a:r>
+              <a:rPr lang="en"/>
+              <a:t>Do “good” ideas spread faster?</a:t>
+            </a:r>
+            <a:endParaRPr/>
+          </a:p>
+          <a:p>
+            <a:pPr indent="-342900" lvl="0" marL="457200" rtl="0" algn="l">
+              <a:spcBef>
+                <a:spcPts val="0"/>
+              </a:spcBef>
+              <a:spcAft>
+                <a:spcPts val="0"/>
+              </a:spcAft>
+              <a:buSzPts val="1800"/>
+              <a:buChar char="●"/>
+            </a:pPr>
+            <a:r>
+              <a:rPr lang="en"/>
+              <a:t>Can we anticipate spread of future ideas based on current publication networks?</a:t>
             </a:r>
             <a:endParaRPr/>
           </a:p>
@@ -6360,7 +8386,7 @@
             </a:pPr>
             <a:r>
               <a:rPr lang="en"/>
-              <a:t>Measuring Idea Quality</a:t>
+              <a:t>Measuring Idea Quality -- OpenReview</a:t>
             </a:r>
             <a:endParaRPr/>
           </a:p>
@@ -6394,12 +8420,45 @@
                 <a:spcPts val="0"/>
               </a:spcBef>
               <a:spcAft>
-                <a:spcPts val="1600"/>
+                <a:spcPts val="0"/>
               </a:spcAft>
               <a:buNone/>
             </a:pPr>
             <a:r>
-              <a:t/>
+              <a:rPr lang="en"/>
+              <a:t>Conference: ICLR 2018</a:t>
+            </a:r>
+            <a:endParaRPr/>
+          </a:p>
+          <a:p>
+            <a:pPr indent="0" lvl="0" marL="0" rtl="0" algn="l">
+              <a:spcBef>
+                <a:spcPts val="1600"/>
+              </a:spcBef>
+              <a:spcAft>
+                <a:spcPts val="0"/>
+              </a:spcAft>
+              <a:buNone/>
+            </a:pPr>
+            <a:r>
+              <a:rPr lang="en"/>
+              <a:t>Paper quality = average review rating</a:t>
+            </a:r>
+            <a:endParaRPr/>
+          </a:p>
+          <a:p>
+            <a:pPr indent="0" lvl="0" marL="0" rtl="0" algn="l">
+              <a:spcBef>
+                <a:spcPts val="1600"/>
+              </a:spcBef>
+              <a:spcAft>
+                <a:spcPts val="1600"/>
+              </a:spcAft>
+              <a:buNone/>
+            </a:pPr>
+            <a:r>
+              <a:rPr lang="en"/>
+              <a:t>Biased, since rejected papers aren’t published in proceedings</a:t>
             </a:r>
             <a:endParaRPr/>
           </a:p>
@@ -6464,7 +8523,7 @@
             </a:pPr>
             <a:r>
               <a:rPr lang="en"/>
-              <a:t>Constructing a collaboration network</a:t>
+              <a:t>Institutional Prestige</a:t>
             </a:r>
             <a:endParaRPr/>
           </a:p>
@@ -6498,12 +8557,64 @@
                 <a:spcPts val="0"/>
               </a:spcBef>
               <a:spcAft>
-                <a:spcPts val="1600"/>
+                <a:spcPts val="0"/>
               </a:spcAft>
               <a:buNone/>
             </a:pPr>
             <a:r>
-              <a:t/>
+              <a:rPr lang="en"/>
+              <a:t>Weighted sum of multiple metrics:</a:t>
+            </a:r>
+            <a:endParaRPr/>
+          </a:p>
+          <a:p>
+            <a:pPr indent="-342900" lvl="0" marL="457200" rtl="0" algn="l">
+              <a:spcBef>
+                <a:spcPts val="1600"/>
+              </a:spcBef>
+              <a:spcAft>
+                <a:spcPts val="0"/>
+              </a:spcAft>
+              <a:buSzPts val="1800"/>
+              <a:buChar char="●"/>
+            </a:pPr>
+            <a:r>
+              <a:rPr lang="en"/>
+              <a:t>CSRankings (based average number of publications by faculty members in top venues)</a:t>
+            </a:r>
+            <a:endParaRPr/>
+          </a:p>
+          <a:p>
+            <a:pPr indent="-342900" lvl="0" marL="457200" rtl="0" algn="l">
+              <a:spcBef>
+                <a:spcPts val="0"/>
+              </a:spcBef>
+              <a:spcAft>
+                <a:spcPts val="0"/>
+              </a:spcAft>
+              <a:buSzPts val="1800"/>
+              <a:buChar char="●"/>
+            </a:pPr>
+            <a:r>
+              <a:rPr lang="en"/>
+              <a:t>US News &amp; World Report rankings</a:t>
+            </a:r>
+            <a:endParaRPr/>
+          </a:p>
+          <a:p>
+            <a:pPr indent="-342900" lvl="0" marL="457200" rtl="0" algn="l">
+              <a:spcBef>
+                <a:spcPts val="0"/>
+              </a:spcBef>
+              <a:spcAft>
+                <a:spcPts val="0"/>
+              </a:spcAft>
+              <a:buSzPts val="1800"/>
+              <a:buChar char="●"/>
+            </a:pPr>
+            <a:r>
+              <a:rPr lang="en"/>
+              <a:t>Faculty placement rankings (Morgan et al, 2018)</a:t>
             </a:r>
             <a:endParaRPr/>
           </a:p>
@@ -6568,7 +8679,7 @@
             </a:pPr>
             <a:r>
               <a:rPr lang="en"/>
-              <a:t>Simulating idea spread</a:t>
+              <a:t>Constructing a collaboration network</a:t>
             </a:r>
             <a:endParaRPr/>
           </a:p>
@@ -6602,12 +8713,699 @@
                 <a:spcPts val="0"/>
               </a:spcBef>
               <a:spcAft>
+                <a:spcPts val="0"/>
+              </a:spcAft>
+              <a:buNone/>
+            </a:pPr>
+            <a:r>
+              <a:rPr lang="en"/>
+              <a:t>Data source: Microsoft Academic Graph (MAG)</a:t>
+            </a:r>
+            <a:endParaRPr/>
+          </a:p>
+          <a:p>
+            <a:pPr indent="0" lvl="0" marL="0" rtl="0" algn="l">
+              <a:spcBef>
+                <a:spcPts val="1600"/>
+              </a:spcBef>
+              <a:spcAft>
+                <a:spcPts val="0"/>
+              </a:spcAft>
+              <a:buNone/>
+            </a:pPr>
+            <a:r>
+              <a:rPr lang="en"/>
+              <a:t>Publications: Top AI/ML Conferences (2016-2020)</a:t>
+            </a:r>
+            <a:endParaRPr/>
+          </a:p>
+          <a:p>
+            <a:pPr indent="-342900" lvl="0" marL="457200" rtl="0" algn="l">
+              <a:spcBef>
+                <a:spcPts val="1600"/>
+              </a:spcBef>
+              <a:spcAft>
+                <a:spcPts val="0"/>
+              </a:spcAft>
+              <a:buSzPts val="1800"/>
+              <a:buChar char="●"/>
+            </a:pPr>
+            <a:r>
+              <a:rPr lang="en"/>
+              <a:t>Computer Vision:  ICCV, CVPR</a:t>
+            </a:r>
+            <a:endParaRPr/>
+          </a:p>
+          <a:p>
+            <a:pPr indent="-342900" lvl="0" marL="457200" rtl="0" algn="l">
+              <a:spcBef>
+                <a:spcPts val="0"/>
+              </a:spcBef>
+              <a:spcAft>
+                <a:spcPts val="0"/>
+              </a:spcAft>
+              <a:buSzPts val="1800"/>
+              <a:buChar char="●"/>
+            </a:pPr>
+            <a:r>
+              <a:rPr lang="en"/>
+              <a:t>ML: NeurIPS, ICML, ICLR, AAAI, IJCAI</a:t>
+            </a:r>
+            <a:endParaRPr/>
+          </a:p>
+          <a:p>
+            <a:pPr indent="-342900" lvl="0" marL="457200" rtl="0" algn="l">
+              <a:spcBef>
+                <a:spcPts val="0"/>
+              </a:spcBef>
+              <a:spcAft>
+                <a:spcPts val="0"/>
+              </a:spcAft>
+              <a:buSzPts val="1800"/>
+              <a:buChar char="●"/>
+            </a:pPr>
+            <a:r>
+              <a:rPr lang="en"/>
+              <a:t>NLP: COLING, EMNLP, ACL, EACL, NAACL</a:t>
+            </a:r>
+            <a:endParaRPr/>
+          </a:p>
+          <a:p>
+            <a:pPr indent="-342900" lvl="0" marL="457200" rtl="0" algn="l">
+              <a:spcBef>
+                <a:spcPts val="0"/>
+              </a:spcBef>
+              <a:spcAft>
+                <a:spcPts val="0"/>
+              </a:spcAft>
+              <a:buSzPts val="1800"/>
+              <a:buChar char="●"/>
+            </a:pPr>
+            <a:r>
+              <a:rPr lang="en"/>
+              <a:t>Data Mining: KDD, WWW</a:t>
+            </a:r>
+            <a:endParaRPr/>
+          </a:p>
+          <a:p>
+            <a:pPr indent="0" lvl="0" marL="0" rtl="0" algn="l">
+              <a:spcBef>
+                <a:spcPts val="1600"/>
+              </a:spcBef>
+              <a:spcAft>
+                <a:spcPts val="0"/>
+              </a:spcAft>
+              <a:buNone/>
+            </a:pPr>
+            <a:r>
+              <a:rPr lang="en"/>
+              <a:t>Edges placed between any pair coauthors in 2016-2020</a:t>
+            </a:r>
+            <a:endParaRPr/>
+          </a:p>
+          <a:p>
+            <a:pPr indent="0" lvl="0" marL="0" rtl="0" algn="l">
+              <a:spcBef>
+                <a:spcPts val="1600"/>
+              </a:spcBef>
+              <a:spcAft>
+                <a:spcPts val="1600"/>
+              </a:spcAft>
+              <a:buNone/>
+            </a:pPr>
+            <a:r>
+              <a:rPr lang="en"/>
+              <a:t>Network has 66k nodes and 296k edges</a:t>
+            </a:r>
+            <a:endParaRPr/>
+          </a:p>
+        </p:txBody>
+      </p:sp>
+    </p:spTree>
+  </p:cSld>
+  <p:clrMapOvr>
+    <a:masterClrMapping/>
+  </p:clrMapOvr>
+</p:sld>
+</file>
+
+<file path=ppt/slides/slide7.xml><?xml version="1.0" encoding="utf-8"?>
+<p:sld xmlns:a="http://schemas.openxmlformats.org/drawingml/2006/main" xmlns:r="http://schemas.openxmlformats.org/officeDocument/2006/relationships" xmlns:mc="http://schemas.openxmlformats.org/markup-compatibility/2006" xmlns:mv="urn:schemas-microsoft-com:mac:vml" xmlns:p="http://schemas.openxmlformats.org/presentationml/2006/main" xmlns:c="http://schemas.openxmlformats.org/drawingml/2006/chart" xmlns:dgm="http://schemas.openxmlformats.org/drawingml/2006/diagram" xmlns:o="urn:schemas-microsoft-com:office:office" xmlns:v="urn:schemas-microsoft-com:vml" xmlns:pvml="urn:schemas-microsoft-com:office:powerpoint" xmlns:com="http://schemas.openxmlformats.org/drawingml/2006/compatibility" xmlns:p14="http://schemas.microsoft.com/office/powerpoint/2010/main" xmlns:p15="http://schemas.microsoft.com/office/powerpoint/2012/main" xmlns:ahyp="http://schemas.microsoft.com/office/drawing/2018/hyperlinkcolor">
+  <p:cSld>
+    <p:spTree>
+      <p:nvGrpSpPr>
+        <p:cNvPr id="89" name="Shape 89"/>
+        <p:cNvGrpSpPr/>
+        <p:nvPr/>
+      </p:nvGrpSpPr>
+      <p:grpSpPr>
+        <a:xfrm>
+          <a:off x="0" y="0"/>
+          <a:ext cx="0" cy="0"/>
+          <a:chOff x="0" y="0"/>
+          <a:chExt cx="0" cy="0"/>
+        </a:xfrm>
+      </p:grpSpPr>
+      <p:sp>
+        <p:nvSpPr>
+          <p:cNvPr id="90" name="Google Shape;90;p19"/>
+          <p:cNvSpPr txBox="1"/>
+          <p:nvPr>
+            <p:ph type="title"/>
+          </p:nvPr>
+        </p:nvSpPr>
+        <p:spPr>
+          <a:xfrm>
+            <a:off x="311700" y="445025"/>
+            <a:ext cx="8520600" cy="572700"/>
+          </a:xfrm>
+          <a:prstGeom prst="rect">
+            <a:avLst/>
+          </a:prstGeom>
+        </p:spPr>
+        <p:txBody>
+          <a:bodyPr anchorCtr="0" anchor="t" bIns="91425" lIns="91425" spcFirstLastPara="1" rIns="91425" wrap="square" tIns="91425">
+            <a:noAutofit/>
+          </a:bodyPr>
+          <a:lstStyle/>
+          <a:p>
+            <a:pPr indent="0" lvl="0" marL="0" rtl="0" algn="l">
+              <a:spcBef>
+                <a:spcPts val="0"/>
+              </a:spcBef>
+              <a:spcAft>
+                <a:spcPts val="0"/>
+              </a:spcAft>
+              <a:buNone/>
+            </a:pPr>
+            <a:r>
+              <a:rPr lang="en"/>
+              <a:t>Collaboration Network Statistics</a:t>
+            </a:r>
+            <a:endParaRPr/>
+          </a:p>
+        </p:txBody>
+      </p:sp>
+      <p:sp>
+        <p:nvSpPr>
+          <p:cNvPr id="91" name="Google Shape;91;p19"/>
+          <p:cNvSpPr txBox="1"/>
+          <p:nvPr>
+            <p:ph idx="1" type="body"/>
+          </p:nvPr>
+        </p:nvSpPr>
+        <p:spPr>
+          <a:xfrm>
+            <a:off x="311700" y="1152475"/>
+            <a:ext cx="3999900" cy="3416400"/>
+          </a:xfrm>
+          <a:prstGeom prst="rect">
+            <a:avLst/>
+          </a:prstGeom>
+        </p:spPr>
+        <p:txBody>
+          <a:bodyPr anchorCtr="0" anchor="t" bIns="91425" lIns="91425" spcFirstLastPara="1" rIns="91425" wrap="square" tIns="91425">
+            <a:noAutofit/>
+          </a:bodyPr>
+          <a:lstStyle/>
+          <a:p>
+            <a:pPr indent="0" lvl="0" marL="0" rtl="0" algn="l">
+              <a:spcBef>
+                <a:spcPts val="0"/>
+              </a:spcBef>
+              <a:spcAft>
                 <a:spcPts val="1600"/>
               </a:spcAft>
               <a:buNone/>
             </a:pPr>
             <a:r>
               <a:t/>
+            </a:r>
+            <a:endParaRPr/>
+          </a:p>
+        </p:txBody>
+      </p:sp>
+      <p:sp>
+        <p:nvSpPr>
+          <p:cNvPr id="92" name="Google Shape;92;p19"/>
+          <p:cNvSpPr txBox="1"/>
+          <p:nvPr>
+            <p:ph idx="2" type="body"/>
+          </p:nvPr>
+        </p:nvSpPr>
+        <p:spPr>
+          <a:xfrm>
+            <a:off x="4832400" y="1152475"/>
+            <a:ext cx="3999900" cy="3416400"/>
+          </a:xfrm>
+          <a:prstGeom prst="rect">
+            <a:avLst/>
+          </a:prstGeom>
+        </p:spPr>
+        <p:txBody>
+          <a:bodyPr anchorCtr="0" anchor="t" bIns="91425" lIns="91425" spcFirstLastPara="1" rIns="91425" wrap="square" tIns="91425">
+            <a:noAutofit/>
+          </a:bodyPr>
+          <a:lstStyle/>
+          <a:p>
+            <a:pPr indent="0" lvl="0" marL="0" rtl="0" algn="l">
+              <a:spcBef>
+                <a:spcPts val="0"/>
+              </a:spcBef>
+              <a:spcAft>
+                <a:spcPts val="1600"/>
+              </a:spcAft>
+              <a:buNone/>
+            </a:pPr>
+            <a:r>
+              <a:t/>
+            </a:r>
+            <a:endParaRPr/>
+          </a:p>
+        </p:txBody>
+      </p:sp>
+      <p:pic>
+        <p:nvPicPr>
+          <p:cNvPr id="93" name="Google Shape;93;p19"/>
+          <p:cNvPicPr preferRelativeResize="0"/>
+          <p:nvPr/>
+        </p:nvPicPr>
+        <p:blipFill>
+          <a:blip r:embed="rId3">
+            <a:alphaModFix/>
+          </a:blip>
+          <a:stretch>
+            <a:fillRect/>
+          </a:stretch>
+        </p:blipFill>
+        <p:spPr>
+          <a:xfrm>
+            <a:off x="459025" y="1661450"/>
+            <a:ext cx="3705225" cy="2533650"/>
+          </a:xfrm>
+          <a:prstGeom prst="rect">
+            <a:avLst/>
+          </a:prstGeom>
+          <a:noFill/>
+          <a:ln>
+            <a:noFill/>
+          </a:ln>
+        </p:spPr>
+      </p:pic>
+      <p:pic>
+        <p:nvPicPr>
+          <p:cNvPr id="94" name="Google Shape;94;p19"/>
+          <p:cNvPicPr preferRelativeResize="0"/>
+          <p:nvPr/>
+        </p:nvPicPr>
+        <p:blipFill>
+          <a:blip r:embed="rId4">
+            <a:alphaModFix/>
+          </a:blip>
+          <a:stretch>
+            <a:fillRect/>
+          </a:stretch>
+        </p:blipFill>
+        <p:spPr>
+          <a:xfrm>
+            <a:off x="5046400" y="1447025"/>
+            <a:ext cx="3571875" cy="2647950"/>
+          </a:xfrm>
+          <a:prstGeom prst="rect">
+            <a:avLst/>
+          </a:prstGeom>
+          <a:noFill/>
+          <a:ln>
+            <a:noFill/>
+          </a:ln>
+        </p:spPr>
+      </p:pic>
+    </p:spTree>
+  </p:cSld>
+  <p:clrMapOvr>
+    <a:masterClrMapping/>
+  </p:clrMapOvr>
+</p:sld>
+</file>
+
+<file path=ppt/slides/slide8.xml><?xml version="1.0" encoding="utf-8"?>
+<p:sld xmlns:a="http://schemas.openxmlformats.org/drawingml/2006/main" xmlns:r="http://schemas.openxmlformats.org/officeDocument/2006/relationships" xmlns:mc="http://schemas.openxmlformats.org/markup-compatibility/2006" xmlns:mv="urn:schemas-microsoft-com:mac:vml" xmlns:p="http://schemas.openxmlformats.org/presentationml/2006/main" xmlns:c="http://schemas.openxmlformats.org/drawingml/2006/chart" xmlns:dgm="http://schemas.openxmlformats.org/drawingml/2006/diagram" xmlns:o="urn:schemas-microsoft-com:office:office" xmlns:v="urn:schemas-microsoft-com:vml" xmlns:pvml="urn:schemas-microsoft-com:office:powerpoint" xmlns:com="http://schemas.openxmlformats.org/drawingml/2006/compatibility" xmlns:p14="http://schemas.microsoft.com/office/powerpoint/2010/main" xmlns:p15="http://schemas.microsoft.com/office/powerpoint/2012/main" xmlns:ahyp="http://schemas.microsoft.com/office/drawing/2018/hyperlinkcolor">
+  <p:cSld>
+    <p:spTree>
+      <p:nvGrpSpPr>
+        <p:cNvPr id="98" name="Shape 98"/>
+        <p:cNvGrpSpPr/>
+        <p:nvPr/>
+      </p:nvGrpSpPr>
+      <p:grpSpPr>
+        <a:xfrm>
+          <a:off x="0" y="0"/>
+          <a:ext cx="0" cy="0"/>
+          <a:chOff x="0" y="0"/>
+          <a:chExt cx="0" cy="0"/>
+        </a:xfrm>
+      </p:grpSpPr>
+      <p:sp>
+        <p:nvSpPr>
+          <p:cNvPr id="99" name="Google Shape;99;p20"/>
+          <p:cNvSpPr txBox="1"/>
+          <p:nvPr>
+            <p:ph type="title"/>
+          </p:nvPr>
+        </p:nvSpPr>
+        <p:spPr>
+          <a:xfrm>
+            <a:off x="311700" y="445025"/>
+            <a:ext cx="8520600" cy="572700"/>
+          </a:xfrm>
+          <a:prstGeom prst="rect">
+            <a:avLst/>
+          </a:prstGeom>
+        </p:spPr>
+        <p:txBody>
+          <a:bodyPr anchorCtr="0" anchor="t" bIns="91425" lIns="91425" spcFirstLastPara="1" rIns="91425" wrap="square" tIns="91425">
+            <a:noAutofit/>
+          </a:bodyPr>
+          <a:lstStyle/>
+          <a:p>
+            <a:pPr indent="0" lvl="0" marL="0" rtl="0" algn="l">
+              <a:spcBef>
+                <a:spcPts val="0"/>
+              </a:spcBef>
+              <a:spcAft>
+                <a:spcPts val="0"/>
+              </a:spcAft>
+              <a:buNone/>
+            </a:pPr>
+            <a:r>
+              <a:rPr lang="en"/>
+              <a:t>Collaboration Network Centralities</a:t>
+            </a:r>
+            <a:endParaRPr/>
+          </a:p>
+        </p:txBody>
+      </p:sp>
+      <p:sp>
+        <p:nvSpPr>
+          <p:cNvPr id="100" name="Google Shape;100;p20"/>
+          <p:cNvSpPr txBox="1"/>
+          <p:nvPr>
+            <p:ph idx="1" type="body"/>
+          </p:nvPr>
+        </p:nvSpPr>
+        <p:spPr>
+          <a:xfrm>
+            <a:off x="311700" y="1152475"/>
+            <a:ext cx="3999900" cy="3416400"/>
+          </a:xfrm>
+          <a:prstGeom prst="rect">
+            <a:avLst/>
+          </a:prstGeom>
+        </p:spPr>
+        <p:txBody>
+          <a:bodyPr anchorCtr="0" anchor="t" bIns="91425" lIns="91425" spcFirstLastPara="1" rIns="91425" wrap="square" tIns="91425">
+            <a:noAutofit/>
+          </a:bodyPr>
+          <a:lstStyle/>
+          <a:p>
+            <a:pPr indent="0" lvl="0" marL="0" rtl="0" algn="l">
+              <a:spcBef>
+                <a:spcPts val="0"/>
+              </a:spcBef>
+              <a:spcAft>
+                <a:spcPts val="1600"/>
+              </a:spcAft>
+              <a:buNone/>
+            </a:pPr>
+            <a:r>
+              <a:t/>
+            </a:r>
+            <a:endParaRPr/>
+          </a:p>
+        </p:txBody>
+      </p:sp>
+      <p:sp>
+        <p:nvSpPr>
+          <p:cNvPr id="101" name="Google Shape;101;p20"/>
+          <p:cNvSpPr txBox="1"/>
+          <p:nvPr>
+            <p:ph idx="2" type="body"/>
+          </p:nvPr>
+        </p:nvSpPr>
+        <p:spPr>
+          <a:xfrm>
+            <a:off x="4832400" y="1152475"/>
+            <a:ext cx="3999900" cy="3416400"/>
+          </a:xfrm>
+          <a:prstGeom prst="rect">
+            <a:avLst/>
+          </a:prstGeom>
+        </p:spPr>
+        <p:txBody>
+          <a:bodyPr anchorCtr="0" anchor="t" bIns="91425" lIns="91425" spcFirstLastPara="1" rIns="91425" wrap="square" tIns="91425">
+            <a:noAutofit/>
+          </a:bodyPr>
+          <a:lstStyle/>
+          <a:p>
+            <a:pPr indent="0" lvl="0" marL="0" rtl="0" algn="l">
+              <a:spcBef>
+                <a:spcPts val="0"/>
+              </a:spcBef>
+              <a:spcAft>
+                <a:spcPts val="1600"/>
+              </a:spcAft>
+              <a:buNone/>
+            </a:pPr>
+            <a:r>
+              <a:t/>
+            </a:r>
+            <a:endParaRPr/>
+          </a:p>
+        </p:txBody>
+      </p:sp>
+      <p:pic>
+        <p:nvPicPr>
+          <p:cNvPr id="102" name="Google Shape;102;p20"/>
+          <p:cNvPicPr preferRelativeResize="0"/>
+          <p:nvPr/>
+        </p:nvPicPr>
+        <p:blipFill>
+          <a:blip r:embed="rId3">
+            <a:alphaModFix/>
+          </a:blip>
+          <a:stretch>
+            <a:fillRect/>
+          </a:stretch>
+        </p:blipFill>
+        <p:spPr>
+          <a:xfrm>
+            <a:off x="4936875" y="1612900"/>
+            <a:ext cx="3790950" cy="2495550"/>
+          </a:xfrm>
+          <a:prstGeom prst="rect">
+            <a:avLst/>
+          </a:prstGeom>
+          <a:noFill/>
+          <a:ln>
+            <a:noFill/>
+          </a:ln>
+        </p:spPr>
+      </p:pic>
+      <p:pic>
+        <p:nvPicPr>
+          <p:cNvPr id="103" name="Google Shape;103;p20"/>
+          <p:cNvPicPr preferRelativeResize="0"/>
+          <p:nvPr/>
+        </p:nvPicPr>
+        <p:blipFill>
+          <a:blip r:embed="rId4">
+            <a:alphaModFix/>
+          </a:blip>
+          <a:stretch>
+            <a:fillRect/>
+          </a:stretch>
+        </p:blipFill>
+        <p:spPr>
+          <a:xfrm>
+            <a:off x="459038" y="1612900"/>
+            <a:ext cx="3705225" cy="2495550"/>
+          </a:xfrm>
+          <a:prstGeom prst="rect">
+            <a:avLst/>
+          </a:prstGeom>
+          <a:noFill/>
+          <a:ln>
+            <a:noFill/>
+          </a:ln>
+        </p:spPr>
+      </p:pic>
+    </p:spTree>
+  </p:cSld>
+  <p:clrMapOvr>
+    <a:masterClrMapping/>
+  </p:clrMapOvr>
+</p:sld>
+</file>
+
+<file path=ppt/slides/slide9.xml><?xml version="1.0" encoding="utf-8"?>
+<p:sld xmlns:a="http://schemas.openxmlformats.org/drawingml/2006/main" xmlns:r="http://schemas.openxmlformats.org/officeDocument/2006/relationships" xmlns:mc="http://schemas.openxmlformats.org/markup-compatibility/2006" xmlns:mv="urn:schemas-microsoft-com:mac:vml" xmlns:p="http://schemas.openxmlformats.org/presentationml/2006/main" xmlns:c="http://schemas.openxmlformats.org/drawingml/2006/chart" xmlns:dgm="http://schemas.openxmlformats.org/drawingml/2006/diagram" xmlns:o="urn:schemas-microsoft-com:office:office" xmlns:v="urn:schemas-microsoft-com:vml" xmlns:pvml="urn:schemas-microsoft-com:office:powerpoint" xmlns:com="http://schemas.openxmlformats.org/drawingml/2006/compatibility" xmlns:p14="http://schemas.microsoft.com/office/powerpoint/2010/main" xmlns:p15="http://schemas.microsoft.com/office/powerpoint/2012/main" xmlns:ahyp="http://schemas.microsoft.com/office/drawing/2018/hyperlinkcolor">
+  <p:cSld>
+    <p:spTree>
+      <p:nvGrpSpPr>
+        <p:cNvPr id="107" name="Shape 107"/>
+        <p:cNvGrpSpPr/>
+        <p:nvPr/>
+      </p:nvGrpSpPr>
+      <p:grpSpPr>
+        <a:xfrm>
+          <a:off x="0" y="0"/>
+          <a:ext cx="0" cy="0"/>
+          <a:chOff x="0" y="0"/>
+          <a:chExt cx="0" cy="0"/>
+        </a:xfrm>
+      </p:grpSpPr>
+      <p:sp>
+        <p:nvSpPr>
+          <p:cNvPr id="108" name="Google Shape;108;p21"/>
+          <p:cNvSpPr txBox="1"/>
+          <p:nvPr>
+            <p:ph type="title"/>
+          </p:nvPr>
+        </p:nvSpPr>
+        <p:spPr>
+          <a:xfrm>
+            <a:off x="311700" y="445025"/>
+            <a:ext cx="8520600" cy="572700"/>
+          </a:xfrm>
+          <a:prstGeom prst="rect">
+            <a:avLst/>
+          </a:prstGeom>
+        </p:spPr>
+        <p:txBody>
+          <a:bodyPr anchorCtr="0" anchor="t" bIns="91425" lIns="91425" spcFirstLastPara="1" rIns="91425" wrap="square" tIns="91425">
+            <a:noAutofit/>
+          </a:bodyPr>
+          <a:lstStyle/>
+          <a:p>
+            <a:pPr indent="0" lvl="0" marL="0" rtl="0" algn="l">
+              <a:spcBef>
+                <a:spcPts val="0"/>
+              </a:spcBef>
+              <a:spcAft>
+                <a:spcPts val="0"/>
+              </a:spcAft>
+              <a:buNone/>
+            </a:pPr>
+            <a:r>
+              <a:rPr lang="en"/>
+              <a:t>Actual idea spread</a:t>
+            </a:r>
+            <a:endParaRPr/>
+          </a:p>
+        </p:txBody>
+      </p:sp>
+      <p:sp>
+        <p:nvSpPr>
+          <p:cNvPr id="109" name="Google Shape;109;p21"/>
+          <p:cNvSpPr txBox="1"/>
+          <p:nvPr>
+            <p:ph idx="1" type="body"/>
+          </p:nvPr>
+        </p:nvSpPr>
+        <p:spPr>
+          <a:xfrm>
+            <a:off x="311700" y="1152475"/>
+            <a:ext cx="8520600" cy="3416400"/>
+          </a:xfrm>
+          <a:prstGeom prst="rect">
+            <a:avLst/>
+          </a:prstGeom>
+        </p:spPr>
+        <p:txBody>
+          <a:bodyPr anchorCtr="0" anchor="t" bIns="91425" lIns="91425" spcFirstLastPara="1" rIns="91425" wrap="square" tIns="91425">
+            <a:noAutofit/>
+          </a:bodyPr>
+          <a:lstStyle/>
+          <a:p>
+            <a:pPr indent="0" lvl="0" marL="0" rtl="0" algn="l">
+              <a:spcBef>
+                <a:spcPts val="0"/>
+              </a:spcBef>
+              <a:spcAft>
+                <a:spcPts val="0"/>
+              </a:spcAft>
+              <a:buNone/>
+            </a:pPr>
+            <a:r>
+              <a:rPr lang="en"/>
+              <a:t>Consider papers A and B.  An idea is transferred from A to B iff:</a:t>
+            </a:r>
+            <a:endParaRPr/>
+          </a:p>
+          <a:p>
+            <a:pPr indent="-342900" lvl="0" marL="457200" rtl="0" algn="l">
+              <a:spcBef>
+                <a:spcPts val="1600"/>
+              </a:spcBef>
+              <a:spcAft>
+                <a:spcPts val="0"/>
+              </a:spcAft>
+              <a:buSzPts val="1800"/>
+              <a:buChar char="●"/>
+            </a:pPr>
+            <a:r>
+              <a:rPr lang="en"/>
+              <a:t>B cites A</a:t>
+            </a:r>
+            <a:endParaRPr/>
+          </a:p>
+          <a:p>
+            <a:pPr indent="-342900" lvl="0" marL="457200" rtl="0" algn="l">
+              <a:spcBef>
+                <a:spcPts val="0"/>
+              </a:spcBef>
+              <a:spcAft>
+                <a:spcPts val="0"/>
+              </a:spcAft>
+              <a:buSzPts val="1800"/>
+              <a:buChar char="●"/>
+            </a:pPr>
+            <a:r>
+              <a:rPr lang="en"/>
+              <a:t>10+ % of research key term overlap for A and B</a:t>
+            </a:r>
+            <a:endParaRPr/>
+          </a:p>
+          <a:p>
+            <a:pPr indent="-342900" lvl="0" marL="457200" rtl="0" algn="l">
+              <a:spcBef>
+                <a:spcPts val="0"/>
+              </a:spcBef>
+              <a:spcAft>
+                <a:spcPts val="0"/>
+              </a:spcAft>
+              <a:buSzPts val="1800"/>
+              <a:buChar char="●"/>
+            </a:pPr>
+            <a:r>
+              <a:rPr lang="en"/>
+              <a:t>10+ % of non-stopwords in abstracts for A and B</a:t>
+            </a:r>
+            <a:endParaRPr/>
+          </a:p>
+          <a:p>
+            <a:pPr indent="0" lvl="0" marL="0" rtl="0" algn="l">
+              <a:spcBef>
+                <a:spcPts val="1600"/>
+              </a:spcBef>
+              <a:spcAft>
+                <a:spcPts val="1600"/>
+              </a:spcAft>
+              <a:buNone/>
+            </a:pPr>
+            <a:r>
+              <a:rPr lang="en"/>
+              <a:t>Yields 108k transferred ideas out of candidate 409k citations.</a:t>
             </a:r>
             <a:endParaRPr/>
           </a:p>
